--- a/poster/Poster_Template_A1.pptx
+++ b/poster/Poster_Template_A1.pptx
@@ -1395,85 +1395,13 @@
               <a:rPr b="0" lang="en-US" sz="4400" spc="-1" strike="noStrike">
                 <a:latin typeface="Arial"/>
               </a:rPr>
-              <a:t>Cli</a:t>
+              <a:t>Click to edit the title text </a:t>
             </a:r>
             <a:r>
               <a:rPr b="0" lang="en-US" sz="4400" spc="-1" strike="noStrike">
                 <a:latin typeface="Arial"/>
               </a:rPr>
-              <a:t>ck </a:t>
-            </a:r>
-            <a:r>
-              <a:rPr b="0" lang="en-US" sz="4400" spc="-1" strike="noStrike">
-                <a:latin typeface="Arial"/>
-              </a:rPr>
-              <a:t>to </a:t>
-            </a:r>
-            <a:r>
-              <a:rPr b="0" lang="en-US" sz="4400" spc="-1" strike="noStrike">
-                <a:latin typeface="Arial"/>
-              </a:rPr>
-              <a:t>ed</a:t>
-            </a:r>
-            <a:r>
-              <a:rPr b="0" lang="en-US" sz="4400" spc="-1" strike="noStrike">
-                <a:latin typeface="Arial"/>
-              </a:rPr>
-              <a:t>it </a:t>
-            </a:r>
-            <a:r>
-              <a:rPr b="0" lang="en-US" sz="4400" spc="-1" strike="noStrike">
-                <a:latin typeface="Arial"/>
-              </a:rPr>
-              <a:t>th</a:t>
-            </a:r>
-            <a:r>
-              <a:rPr b="0" lang="en-US" sz="4400" spc="-1" strike="noStrike">
-                <a:latin typeface="Arial"/>
-              </a:rPr>
-              <a:t>e </a:t>
-            </a:r>
-            <a:r>
-              <a:rPr b="0" lang="en-US" sz="4400" spc="-1" strike="noStrike">
-                <a:latin typeface="Arial"/>
-              </a:rPr>
-              <a:t>titl</a:t>
-            </a:r>
-            <a:r>
-              <a:rPr b="0" lang="en-US" sz="4400" spc="-1" strike="noStrike">
-                <a:latin typeface="Arial"/>
-              </a:rPr>
-              <a:t>e </a:t>
-            </a:r>
-            <a:r>
-              <a:rPr b="0" lang="en-US" sz="4400" spc="-1" strike="noStrike">
-                <a:latin typeface="Arial"/>
-              </a:rPr>
-              <a:t>te</a:t>
-            </a:r>
-            <a:r>
-              <a:rPr b="0" lang="en-US" sz="4400" spc="-1" strike="noStrike">
-                <a:latin typeface="Arial"/>
-              </a:rPr>
-              <a:t>xt </a:t>
-            </a:r>
-            <a:r>
-              <a:rPr b="0" lang="en-US" sz="4400" spc="-1" strike="noStrike">
-                <a:latin typeface="Arial"/>
-              </a:rPr>
-              <a:t>for</a:t>
-            </a:r>
-            <a:r>
-              <a:rPr b="0" lang="en-US" sz="4400" spc="-1" strike="noStrike">
-                <a:latin typeface="Arial"/>
-              </a:rPr>
-              <a:t>m</a:t>
-            </a:r>
-            <a:r>
-              <a:rPr b="0" lang="en-US" sz="4400" spc="-1" strike="noStrike">
-                <a:latin typeface="Arial"/>
-              </a:rPr>
-              <a:t>at</a:t>
+              <a:t>format</a:t>
             </a:r>
             <a:endParaRPr b="0" lang="en-US" sz="4400" spc="-1" strike="noStrike">
               <a:latin typeface="Arial"/>
@@ -1705,8 +1633,8 @@
         </p:nvSpPr>
         <p:spPr>
           <a:xfrm>
-            <a:off x="572400" y="4297680"/>
-            <a:ext cx="9943200" cy="3474000"/>
+            <a:off x="822960" y="25420320"/>
+            <a:ext cx="20367000" cy="4023360"/>
           </a:xfrm>
           <a:prstGeom prst="rect">
             <a:avLst/>
@@ -1744,589 +1672,17 @@
         </p:nvSpPr>
         <p:spPr>
           <a:xfrm>
-            <a:off x="1805040" y="2011680"/>
-            <a:ext cx="17853840" cy="912600"/>
-          </a:xfrm>
-          <a:prstGeom prst="rect">
-            <a:avLst/>
-          </a:prstGeom>
-          <a:noFill/>
-          <a:ln>
-            <a:noFill/>
-          </a:ln>
-        </p:spPr>
-        <p:style>
-          <a:lnRef idx="0"/>
-          <a:fillRef idx="0"/>
-          <a:effectRef idx="0"/>
-          <a:fontRef idx="minor"/>
-        </p:style>
-        <p:txBody>
-          <a:bodyPr lIns="90000" rIns="90000" tIns="45000" bIns="45000"/>
-          <a:p>
-            <a:pPr algn="ctr">
-              <a:lnSpc>
-                <a:spcPct val="100000"/>
-              </a:lnSpc>
-            </a:pPr>
-            <a:r>
-              <a:rPr b="1" lang="en-US" sz="5400" spc="-1" strike="noStrike">
-                <a:solidFill>
-                  <a:srgbClr val="000000"/>
-                </a:solidFill>
-                <a:latin typeface="Calibri"/>
-                <a:ea typeface="DejaVu Sans"/>
-              </a:rPr>
-              <a:t> </a:t>
-            </a:r>
-            <a:r>
-              <a:rPr b="1" lang="en-US" sz="5400" spc="-1" strike="noStrike">
-                <a:solidFill>
-                  <a:srgbClr val="000000"/>
-                </a:solidFill>
-                <a:latin typeface="Calibri"/>
-                <a:ea typeface="DejaVu Sans"/>
-              </a:rPr>
-              <a:t>DynamoDB vs     Spanner</a:t>
-            </a:r>
-            <a:endParaRPr b="0" lang="en-US" sz="5400" spc="-1" strike="noStrike">
-              <a:latin typeface="Arial"/>
-            </a:endParaRPr>
-          </a:p>
-        </p:txBody>
-      </p:sp>
-      <p:sp>
-        <p:nvSpPr>
-          <p:cNvPr id="40" name="CustomShape 3"/>
-          <p:cNvSpPr/>
-          <p:nvPr/>
-        </p:nvSpPr>
-        <p:spPr>
-          <a:xfrm>
-            <a:off x="2541960" y="14586480"/>
-            <a:ext cx="8385840" cy="759960"/>
-          </a:xfrm>
-          <a:prstGeom prst="rect">
-            <a:avLst/>
-          </a:prstGeom>
-          <a:noFill/>
-          <a:ln>
-            <a:noFill/>
-          </a:ln>
-        </p:spPr>
-        <p:style>
-          <a:lnRef idx="0"/>
-          <a:fillRef idx="0"/>
-          <a:effectRef idx="0"/>
-          <a:fontRef idx="minor"/>
-        </p:style>
-      </p:sp>
-      <p:sp>
-        <p:nvSpPr>
-          <p:cNvPr id="41" name="CustomShape 4"/>
-          <p:cNvSpPr/>
-          <p:nvPr/>
-        </p:nvSpPr>
-        <p:spPr>
-          <a:xfrm>
-            <a:off x="1760760" y="6676560"/>
-            <a:ext cx="8571240" cy="1095120"/>
-          </a:xfrm>
-          <a:prstGeom prst="rect">
-            <a:avLst/>
-          </a:prstGeom>
-          <a:noFill/>
-          <a:ln>
-            <a:noFill/>
-          </a:ln>
-        </p:spPr>
-        <p:style>
-          <a:lnRef idx="0"/>
-          <a:fillRef idx="0"/>
-          <a:effectRef idx="0"/>
-          <a:fontRef idx="minor"/>
-        </p:style>
-      </p:sp>
-      <p:sp>
-        <p:nvSpPr>
-          <p:cNvPr id="42" name="CustomShape 5"/>
-          <p:cNvSpPr/>
-          <p:nvPr/>
-        </p:nvSpPr>
-        <p:spPr>
-          <a:xfrm>
-            <a:off x="1996560" y="13413600"/>
-            <a:ext cx="17863560" cy="1095120"/>
-          </a:xfrm>
-          <a:prstGeom prst="rect">
-            <a:avLst/>
-          </a:prstGeom>
-          <a:noFill/>
-          <a:ln>
-            <a:noFill/>
-          </a:ln>
-        </p:spPr>
-        <p:style>
-          <a:lnRef idx="0"/>
-          <a:fillRef idx="0"/>
-          <a:effectRef idx="0"/>
-          <a:fontRef idx="minor"/>
-        </p:style>
-      </p:sp>
-      <p:sp>
-        <p:nvSpPr>
-          <p:cNvPr id="43" name="CustomShape 6"/>
-          <p:cNvSpPr/>
-          <p:nvPr/>
-        </p:nvSpPr>
-        <p:spPr>
-          <a:xfrm>
-            <a:off x="11989440" y="14635800"/>
-            <a:ext cx="7703640" cy="759960"/>
-          </a:xfrm>
-          <a:prstGeom prst="rect">
-            <a:avLst/>
-          </a:prstGeom>
-          <a:noFill/>
-          <a:ln>
-            <a:noFill/>
-          </a:ln>
-        </p:spPr>
-        <p:style>
-          <a:lnRef idx="0"/>
-          <a:fillRef idx="0"/>
-          <a:effectRef idx="0"/>
-          <a:fontRef idx="minor"/>
-        </p:style>
-      </p:sp>
-      <p:sp>
-        <p:nvSpPr>
-          <p:cNvPr id="44" name="CustomShape 7"/>
-          <p:cNvSpPr/>
-          <p:nvPr/>
-        </p:nvSpPr>
-        <p:spPr>
-          <a:xfrm>
-            <a:off x="594720" y="457200"/>
-            <a:ext cx="6354000" cy="730800"/>
-          </a:xfrm>
-          <a:prstGeom prst="rect">
-            <a:avLst/>
-          </a:prstGeom>
-          <a:noFill/>
-          <a:ln>
-            <a:noFill/>
-          </a:ln>
-        </p:spPr>
-        <p:style>
-          <a:lnRef idx="0"/>
-          <a:fillRef idx="0"/>
-          <a:effectRef idx="0"/>
-          <a:fontRef idx="minor"/>
-        </p:style>
-        <p:txBody>
-          <a:bodyPr lIns="0" rIns="0" tIns="0" bIns="0"/>
-          <a:p>
-            <a:pPr>
-              <a:lnSpc>
-                <a:spcPct val="100000"/>
-              </a:lnSpc>
-            </a:pPr>
-            <a:r>
-              <a:rPr b="0" lang="en-US" sz="3200" spc="-1" strike="noStrike">
-                <a:solidFill>
-                  <a:srgbClr val="808080"/>
-                </a:solidFill>
-                <a:latin typeface="Arial"/>
-                <a:ea typeface="ＭＳ Ｐゴシック"/>
-              </a:rPr>
-              <a:t>Enterprise Computing WS18/19</a:t>
-            </a:r>
-            <a:endParaRPr b="0" lang="en-US" sz="3200" spc="-1" strike="noStrike">
-              <a:latin typeface="Arial"/>
-            </a:endParaRPr>
-          </a:p>
-        </p:txBody>
-      </p:sp>
-      <p:pic>
-        <p:nvPicPr>
-          <p:cNvPr id="45" name="Picture 14" descr=""/>
-          <p:cNvPicPr/>
-          <p:nvPr/>
-        </p:nvPicPr>
-        <p:blipFill>
-          <a:blip r:embed="rId1"/>
-          <a:srcRect l="14714" t="16600" r="14241" b="6174"/>
-          <a:stretch/>
-        </p:blipFill>
-        <p:spPr>
-          <a:xfrm>
-            <a:off x="9052560" y="365760"/>
-            <a:ext cx="3949920" cy="787320"/>
-          </a:xfrm>
-          <a:prstGeom prst="rect">
-            <a:avLst/>
-          </a:prstGeom>
-          <a:ln>
-            <a:noFill/>
-          </a:ln>
-        </p:spPr>
-      </p:pic>
-      <p:pic>
-        <p:nvPicPr>
-          <p:cNvPr id="46" name="Picture 7" descr=""/>
-          <p:cNvPicPr/>
-          <p:nvPr/>
-        </p:nvPicPr>
-        <p:blipFill>
-          <a:blip r:embed="rId2"/>
-          <a:stretch/>
-        </p:blipFill>
-        <p:spPr>
-          <a:xfrm>
-            <a:off x="17922240" y="182880"/>
-            <a:ext cx="2986200" cy="1662480"/>
-          </a:xfrm>
-          <a:prstGeom prst="rect">
-            <a:avLst/>
-          </a:prstGeom>
-          <a:ln>
-            <a:noFill/>
-          </a:ln>
-        </p:spPr>
-      </p:pic>
-      <p:pic>
-        <p:nvPicPr>
-          <p:cNvPr id="47" name="" descr=""/>
-          <p:cNvPicPr/>
-          <p:nvPr/>
-        </p:nvPicPr>
-        <p:blipFill>
-          <a:blip r:embed="rId3"/>
-          <a:stretch/>
-        </p:blipFill>
-        <p:spPr>
-          <a:xfrm>
-            <a:off x="365760" y="9279720"/>
-            <a:ext cx="9989280" cy="5716440"/>
-          </a:xfrm>
-          <a:prstGeom prst="rect">
-            <a:avLst/>
-          </a:prstGeom>
-          <a:ln>
-            <a:noFill/>
-          </a:ln>
-          <a:effectLst>
-            <a:outerShdw dir="2700000" dist="101823">
-              <a:srgbClr val="808080"/>
-            </a:outerShdw>
-          </a:effectLst>
-        </p:spPr>
-      </p:pic>
-      <p:pic>
-        <p:nvPicPr>
-          <p:cNvPr id="48" name="" descr=""/>
-          <p:cNvPicPr/>
-          <p:nvPr/>
-        </p:nvPicPr>
-        <p:blipFill>
-          <a:blip r:embed="rId4"/>
-          <a:stretch/>
-        </p:blipFill>
-        <p:spPr>
-          <a:xfrm>
-            <a:off x="10777320" y="9418320"/>
-            <a:ext cx="10071000" cy="5577840"/>
-          </a:xfrm>
-          <a:prstGeom prst="rect">
-            <a:avLst/>
-          </a:prstGeom>
-          <a:ln>
-            <a:noFill/>
-          </a:ln>
-          <a:effectLst>
-            <a:outerShdw dir="2700000" dist="101823">
-              <a:srgbClr val="808080"/>
-            </a:outerShdw>
-          </a:effectLst>
-        </p:spPr>
-      </p:pic>
-      <p:pic>
-        <p:nvPicPr>
-          <p:cNvPr id="49" name="" descr=""/>
-          <p:cNvPicPr/>
-          <p:nvPr/>
-        </p:nvPicPr>
-        <p:blipFill>
-          <a:blip r:embed="rId5"/>
-          <a:stretch/>
-        </p:blipFill>
-        <p:spPr>
-          <a:xfrm>
-            <a:off x="4846680" y="2011680"/>
-            <a:ext cx="913320" cy="913320"/>
-          </a:xfrm>
-          <a:prstGeom prst="rect">
-            <a:avLst/>
-          </a:prstGeom>
-          <a:ln>
-            <a:noFill/>
-          </a:ln>
-        </p:spPr>
-      </p:pic>
-      <p:pic>
-        <p:nvPicPr>
-          <p:cNvPr id="50" name="" descr=""/>
-          <p:cNvPicPr/>
-          <p:nvPr/>
-        </p:nvPicPr>
-        <p:blipFill>
-          <a:blip r:embed="rId6"/>
-          <a:stretch/>
-        </p:blipFill>
-        <p:spPr>
-          <a:xfrm>
-            <a:off x="11521440" y="2011680"/>
-            <a:ext cx="913320" cy="913320"/>
-          </a:xfrm>
-          <a:prstGeom prst="rect">
-            <a:avLst/>
-          </a:prstGeom>
-          <a:ln>
-            <a:noFill/>
-          </a:ln>
-        </p:spPr>
-      </p:pic>
-      <p:sp>
-        <p:nvSpPr>
-          <p:cNvPr id="51" name="CustomShape 8"/>
-          <p:cNvSpPr/>
-          <p:nvPr/>
-        </p:nvSpPr>
-        <p:spPr>
-          <a:xfrm>
-            <a:off x="2011680" y="3110040"/>
-            <a:ext cx="17250840" cy="638280"/>
-          </a:xfrm>
-          <a:prstGeom prst="rect">
-            <a:avLst/>
-          </a:prstGeom>
-          <a:noFill/>
-          <a:ln>
-            <a:noFill/>
-          </a:ln>
-        </p:spPr>
-        <p:style>
-          <a:lnRef idx="0"/>
-          <a:fillRef idx="0"/>
-          <a:effectRef idx="0"/>
-          <a:fontRef idx="minor"/>
-        </p:style>
-        <p:txBody>
-          <a:bodyPr lIns="90000" rIns="90000" tIns="45000" bIns="45000"/>
-          <a:p>
-            <a:pPr algn="ctr">
-              <a:lnSpc>
-                <a:spcPct val="100000"/>
-              </a:lnSpc>
-            </a:pPr>
-            <a:r>
-              <a:rPr b="0" i="1" lang="en-US" sz="3600" spc="-1" strike="noStrike">
-                <a:solidFill>
-                  <a:srgbClr val="000000"/>
-                </a:solidFill>
-                <a:latin typeface="Calibri"/>
-                <a:ea typeface="DejaVu Sans"/>
-              </a:rPr>
-              <a:t>Cloud Service Benchmarking</a:t>
-            </a:r>
-            <a:endParaRPr b="0" lang="en-US" sz="3600" spc="-1" strike="noStrike">
-              <a:latin typeface="Arial"/>
-            </a:endParaRPr>
-          </a:p>
-        </p:txBody>
-      </p:sp>
-      <p:sp>
-        <p:nvSpPr>
-          <p:cNvPr id="52" name="CustomShape 9"/>
-          <p:cNvSpPr/>
-          <p:nvPr/>
-        </p:nvSpPr>
-        <p:spPr>
-          <a:xfrm>
-            <a:off x="846360" y="4297680"/>
-            <a:ext cx="8206200" cy="699480"/>
-          </a:xfrm>
-          <a:prstGeom prst="rect">
-            <a:avLst/>
-          </a:prstGeom>
-          <a:noFill/>
-          <a:ln>
-            <a:noFill/>
-          </a:ln>
-        </p:spPr>
-        <p:style>
-          <a:lnRef idx="0"/>
-          <a:fillRef idx="0"/>
-          <a:effectRef idx="0"/>
-          <a:fontRef idx="minor"/>
-        </p:style>
-        <p:txBody>
-          <a:bodyPr lIns="90000" rIns="90000" tIns="45000" bIns="45000"/>
-          <a:p>
-            <a:pPr>
-              <a:lnSpc>
-                <a:spcPct val="100000"/>
-              </a:lnSpc>
-            </a:pPr>
-            <a:r>
-              <a:rPr b="0" lang="en-US" sz="4000" spc="-1" strike="noStrike" u="sng">
-                <a:solidFill>
-                  <a:srgbClr val="000000"/>
-                </a:solidFill>
-                <a:uFillTx/>
-                <a:latin typeface="Calibri"/>
-                <a:ea typeface="DejaVu Sans"/>
-              </a:rPr>
-              <a:t>Research Question(s):</a:t>
-            </a:r>
-            <a:endParaRPr b="0" lang="en-US" sz="4000" spc="-1" strike="noStrike" u="sng">
-              <a:uFillTx/>
-              <a:latin typeface="Arial"/>
-            </a:endParaRPr>
-          </a:p>
-        </p:txBody>
-      </p:sp>
-      <p:sp>
-        <p:nvSpPr>
-          <p:cNvPr id="53" name="CustomShape 10"/>
-          <p:cNvSpPr/>
-          <p:nvPr/>
-        </p:nvSpPr>
-        <p:spPr>
-          <a:xfrm>
-            <a:off x="914400" y="4997160"/>
-            <a:ext cx="8961120" cy="2011680"/>
-          </a:xfrm>
-          <a:prstGeom prst="rect">
-            <a:avLst/>
-          </a:prstGeom>
-          <a:noFill/>
-          <a:ln>
-            <a:noFill/>
-          </a:ln>
-        </p:spPr>
-        <p:style>
-          <a:lnRef idx="0"/>
-          <a:fillRef idx="0"/>
-          <a:effectRef idx="0"/>
-          <a:fontRef idx="minor"/>
-        </p:style>
-        <p:txBody>
-          <a:bodyPr lIns="90000" rIns="90000" tIns="45000" bIns="45000"/>
-          <a:p>
-            <a:pPr>
-              <a:lnSpc>
-                <a:spcPct val="100000"/>
-              </a:lnSpc>
-            </a:pPr>
-            <a:r>
-              <a:rPr b="0" lang="en-US" sz="2400" spc="-1" strike="noStrike">
-                <a:solidFill>
-                  <a:srgbClr val="1c1c1c"/>
-                </a:solidFill>
-                <a:latin typeface="Calibri"/>
-                <a:ea typeface="DejaVu Sans"/>
-              </a:rPr>
-              <a:t>- What is AWS DynamoDB and Google Spanner’s write performance in terms of latency when both stores are introduced with update heavy workloads? </a:t>
-            </a:r>
-            <a:endParaRPr b="0" lang="en-US" sz="2400" spc="-1" strike="noStrike">
-              <a:solidFill>
-                <a:srgbClr val="1c1c1c"/>
-              </a:solidFill>
-              <a:latin typeface="Arial"/>
-            </a:endParaRPr>
-          </a:p>
-          <a:p>
-            <a:pPr>
-              <a:lnSpc>
-                <a:spcPct val="100000"/>
-              </a:lnSpc>
-            </a:pPr>
-            <a:endParaRPr b="0" lang="en-US" sz="2400" spc="-1" strike="noStrike">
-              <a:solidFill>
-                <a:srgbClr val="1c1c1c"/>
-              </a:solidFill>
-              <a:latin typeface="Arial"/>
-            </a:endParaRPr>
-          </a:p>
-          <a:p>
-            <a:pPr>
-              <a:lnSpc>
-                <a:spcPct val="100000"/>
-              </a:lnSpc>
-            </a:pPr>
-            <a:r>
-              <a:rPr b="0" lang="en-US" sz="2400" spc="-1" strike="noStrike">
-                <a:solidFill>
-                  <a:srgbClr val="1c1c1c"/>
-                </a:solidFill>
-                <a:latin typeface="Calibri"/>
-                <a:ea typeface="DejaVu Sans"/>
-              </a:rPr>
-              <a:t>- How does the database record size affect the write latency of the two stores?  </a:t>
-            </a:r>
-            <a:endParaRPr b="0" lang="en-US" sz="2400" spc="-1" strike="noStrike">
-              <a:solidFill>
-                <a:srgbClr val="1c1c1c"/>
-              </a:solidFill>
-              <a:latin typeface="Arial"/>
-            </a:endParaRPr>
-          </a:p>
-        </p:txBody>
-      </p:sp>
-      <p:sp>
-        <p:nvSpPr>
-          <p:cNvPr id="54" name="CustomShape 11"/>
-          <p:cNvSpPr/>
-          <p:nvPr/>
-        </p:nvSpPr>
-        <p:spPr>
-          <a:xfrm>
-            <a:off x="822960" y="6493680"/>
-            <a:ext cx="6102720" cy="1187280"/>
-          </a:xfrm>
-          <a:prstGeom prst="rect">
-            <a:avLst/>
-          </a:prstGeom>
-          <a:noFill/>
-          <a:ln>
-            <a:noFill/>
-          </a:ln>
-        </p:spPr>
-        <p:style>
-          <a:lnRef idx="0"/>
-          <a:fillRef idx="0"/>
-          <a:effectRef idx="0"/>
-          <a:fontRef idx="minor"/>
-        </p:style>
-      </p:sp>
-      <p:sp>
-        <p:nvSpPr>
-          <p:cNvPr id="55" name="CustomShape 12"/>
-          <p:cNvSpPr/>
-          <p:nvPr/>
-        </p:nvSpPr>
-        <p:spPr>
-          <a:xfrm>
-            <a:off x="10842480" y="4297680"/>
-            <a:ext cx="10217520" cy="3474000"/>
+            <a:off x="572400" y="4114800"/>
+            <a:ext cx="9942840" cy="3656520"/>
           </a:xfrm>
           <a:prstGeom prst="rect">
             <a:avLst/>
           </a:prstGeom>
           <a:solidFill>
-            <a:srgbClr val="e0efd4"/>
+            <a:schemeClr val="accent5">
+              <a:lumMod val="20000"/>
+              <a:lumOff val="80000"/>
+            </a:schemeClr>
           </a:solidFill>
           <a:ln>
             <a:noFill/>
@@ -2349,14 +1705,14 @@
       </p:sp>
       <p:sp>
         <p:nvSpPr>
-          <p:cNvPr id="56" name="CustomShape 13"/>
+          <p:cNvPr id="40" name="CustomShape 3"/>
           <p:cNvSpPr/>
           <p:nvPr/>
         </p:nvSpPr>
         <p:spPr>
           <a:xfrm>
-            <a:off x="11155680" y="4480560"/>
-            <a:ext cx="8961120" cy="2011680"/>
+            <a:off x="1805040" y="2011680"/>
+            <a:ext cx="17853480" cy="912240"/>
           </a:xfrm>
           <a:prstGeom prst="rect">
             <a:avLst/>
@@ -2375,6 +1731,621 @@
         <p:txBody>
           <a:bodyPr lIns="90000" rIns="90000" tIns="45000" bIns="45000"/>
           <a:p>
+            <a:pPr algn="ctr">
+              <a:lnSpc>
+                <a:spcPct val="100000"/>
+              </a:lnSpc>
+            </a:pPr>
+            <a:r>
+              <a:rPr b="1" lang="en-US" sz="5400" spc="-1" strike="noStrike">
+                <a:solidFill>
+                  <a:srgbClr val="000000"/>
+                </a:solidFill>
+                <a:latin typeface="Calibri"/>
+                <a:ea typeface="DejaVu Sans"/>
+              </a:rPr>
+              <a:t> </a:t>
+            </a:r>
+            <a:r>
+              <a:rPr b="1" lang="en-US" sz="5400" spc="-1" strike="noStrike">
+                <a:solidFill>
+                  <a:srgbClr val="000000"/>
+                </a:solidFill>
+                <a:latin typeface="Calibri"/>
+                <a:ea typeface="DejaVu Sans"/>
+              </a:rPr>
+              <a:t>DynamoDB vs     Spanner</a:t>
+            </a:r>
+            <a:endParaRPr b="0" lang="en-US" sz="5400" spc="-1" strike="noStrike">
+              <a:latin typeface="Arial"/>
+            </a:endParaRPr>
+          </a:p>
+        </p:txBody>
+      </p:sp>
+      <p:sp>
+        <p:nvSpPr>
+          <p:cNvPr id="41" name="CustomShape 4"/>
+          <p:cNvSpPr/>
+          <p:nvPr/>
+        </p:nvSpPr>
+        <p:spPr>
+          <a:xfrm>
+            <a:off x="2541960" y="14586480"/>
+            <a:ext cx="8385480" cy="759600"/>
+          </a:xfrm>
+          <a:prstGeom prst="rect">
+            <a:avLst/>
+          </a:prstGeom>
+          <a:noFill/>
+          <a:ln>
+            <a:noFill/>
+          </a:ln>
+        </p:spPr>
+        <p:style>
+          <a:lnRef idx="0"/>
+          <a:fillRef idx="0"/>
+          <a:effectRef idx="0"/>
+          <a:fontRef idx="minor"/>
+        </p:style>
+      </p:sp>
+      <p:sp>
+        <p:nvSpPr>
+          <p:cNvPr id="42" name="CustomShape 5"/>
+          <p:cNvSpPr/>
+          <p:nvPr/>
+        </p:nvSpPr>
+        <p:spPr>
+          <a:xfrm>
+            <a:off x="1760760" y="6676560"/>
+            <a:ext cx="8570880" cy="1094760"/>
+          </a:xfrm>
+          <a:prstGeom prst="rect">
+            <a:avLst/>
+          </a:prstGeom>
+          <a:noFill/>
+          <a:ln>
+            <a:noFill/>
+          </a:ln>
+        </p:spPr>
+        <p:style>
+          <a:lnRef idx="0"/>
+          <a:fillRef idx="0"/>
+          <a:effectRef idx="0"/>
+          <a:fontRef idx="minor"/>
+        </p:style>
+      </p:sp>
+      <p:sp>
+        <p:nvSpPr>
+          <p:cNvPr id="43" name="CustomShape 6"/>
+          <p:cNvSpPr/>
+          <p:nvPr/>
+        </p:nvSpPr>
+        <p:spPr>
+          <a:xfrm>
+            <a:off x="1996560" y="13413600"/>
+            <a:ext cx="17863200" cy="1094760"/>
+          </a:xfrm>
+          <a:prstGeom prst="rect">
+            <a:avLst/>
+          </a:prstGeom>
+          <a:noFill/>
+          <a:ln>
+            <a:noFill/>
+          </a:ln>
+        </p:spPr>
+        <p:style>
+          <a:lnRef idx="0"/>
+          <a:fillRef idx="0"/>
+          <a:effectRef idx="0"/>
+          <a:fontRef idx="minor"/>
+        </p:style>
+      </p:sp>
+      <p:sp>
+        <p:nvSpPr>
+          <p:cNvPr id="44" name="CustomShape 7"/>
+          <p:cNvSpPr/>
+          <p:nvPr/>
+        </p:nvSpPr>
+        <p:spPr>
+          <a:xfrm>
+            <a:off x="11989440" y="14635800"/>
+            <a:ext cx="7703280" cy="759600"/>
+          </a:xfrm>
+          <a:prstGeom prst="rect">
+            <a:avLst/>
+          </a:prstGeom>
+          <a:noFill/>
+          <a:ln>
+            <a:noFill/>
+          </a:ln>
+        </p:spPr>
+        <p:style>
+          <a:lnRef idx="0"/>
+          <a:fillRef idx="0"/>
+          <a:effectRef idx="0"/>
+          <a:fontRef idx="minor"/>
+        </p:style>
+      </p:sp>
+      <p:sp>
+        <p:nvSpPr>
+          <p:cNvPr id="45" name="CustomShape 8"/>
+          <p:cNvSpPr/>
+          <p:nvPr/>
+        </p:nvSpPr>
+        <p:spPr>
+          <a:xfrm>
+            <a:off x="594720" y="457200"/>
+            <a:ext cx="6353640" cy="730440"/>
+          </a:xfrm>
+          <a:prstGeom prst="rect">
+            <a:avLst/>
+          </a:prstGeom>
+          <a:noFill/>
+          <a:ln>
+            <a:noFill/>
+          </a:ln>
+        </p:spPr>
+        <p:style>
+          <a:lnRef idx="0"/>
+          <a:fillRef idx="0"/>
+          <a:effectRef idx="0"/>
+          <a:fontRef idx="minor"/>
+        </p:style>
+        <p:txBody>
+          <a:bodyPr lIns="0" rIns="0" tIns="0" bIns="0"/>
+          <a:p>
+            <a:pPr>
+              <a:lnSpc>
+                <a:spcPct val="100000"/>
+              </a:lnSpc>
+            </a:pPr>
+            <a:r>
+              <a:rPr b="0" lang="en-US" sz="3200" spc="-1" strike="noStrike">
+                <a:solidFill>
+                  <a:srgbClr val="808080"/>
+                </a:solidFill>
+                <a:latin typeface="Arial"/>
+                <a:ea typeface="ＭＳ Ｐゴシック"/>
+              </a:rPr>
+              <a:t>Enterprise Computing WS18/19</a:t>
+            </a:r>
+            <a:endParaRPr b="0" lang="en-US" sz="3200" spc="-1" strike="noStrike">
+              <a:latin typeface="Arial"/>
+            </a:endParaRPr>
+          </a:p>
+        </p:txBody>
+      </p:sp>
+      <p:pic>
+        <p:nvPicPr>
+          <p:cNvPr id="46" name="Picture 14" descr=""/>
+          <p:cNvPicPr/>
+          <p:nvPr/>
+        </p:nvPicPr>
+        <p:blipFill>
+          <a:blip r:embed="rId1"/>
+          <a:srcRect l="14714" t="16600" r="14241" b="6174"/>
+          <a:stretch/>
+        </p:blipFill>
+        <p:spPr>
+          <a:xfrm>
+            <a:off x="9052560" y="365760"/>
+            <a:ext cx="3949560" cy="786960"/>
+          </a:xfrm>
+          <a:prstGeom prst="rect">
+            <a:avLst/>
+          </a:prstGeom>
+          <a:ln>
+            <a:noFill/>
+          </a:ln>
+        </p:spPr>
+      </p:pic>
+      <p:pic>
+        <p:nvPicPr>
+          <p:cNvPr id="47" name="Picture 7" descr=""/>
+          <p:cNvPicPr/>
+          <p:nvPr/>
+        </p:nvPicPr>
+        <p:blipFill>
+          <a:blip r:embed="rId2"/>
+          <a:stretch/>
+        </p:blipFill>
+        <p:spPr>
+          <a:xfrm>
+            <a:off x="17922240" y="182880"/>
+            <a:ext cx="2985840" cy="1662120"/>
+          </a:xfrm>
+          <a:prstGeom prst="rect">
+            <a:avLst/>
+          </a:prstGeom>
+          <a:ln>
+            <a:noFill/>
+          </a:ln>
+        </p:spPr>
+      </p:pic>
+      <p:pic>
+        <p:nvPicPr>
+          <p:cNvPr id="48" name="" descr=""/>
+          <p:cNvPicPr/>
+          <p:nvPr/>
+        </p:nvPicPr>
+        <p:blipFill>
+          <a:blip r:embed="rId3"/>
+          <a:stretch/>
+        </p:blipFill>
+        <p:spPr>
+          <a:xfrm>
+            <a:off x="457200" y="10194480"/>
+            <a:ext cx="9988920" cy="5716080"/>
+          </a:xfrm>
+          <a:prstGeom prst="rect">
+            <a:avLst/>
+          </a:prstGeom>
+          <a:ln>
+            <a:noFill/>
+          </a:ln>
+          <a:effectLst>
+            <a:outerShdw dir="2700000" dist="101823">
+              <a:srgbClr val="808080"/>
+            </a:outerShdw>
+          </a:effectLst>
+        </p:spPr>
+      </p:pic>
+      <p:pic>
+        <p:nvPicPr>
+          <p:cNvPr id="49" name="" descr=""/>
+          <p:cNvPicPr/>
+          <p:nvPr/>
+        </p:nvPicPr>
+        <p:blipFill>
+          <a:blip r:embed="rId4"/>
+          <a:stretch/>
+        </p:blipFill>
+        <p:spPr>
+          <a:xfrm>
+            <a:off x="10777320" y="10333080"/>
+            <a:ext cx="10070640" cy="5577480"/>
+          </a:xfrm>
+          <a:prstGeom prst="rect">
+            <a:avLst/>
+          </a:prstGeom>
+          <a:ln>
+            <a:noFill/>
+          </a:ln>
+          <a:effectLst>
+            <a:outerShdw dir="2700000" dist="101823">
+              <a:srgbClr val="808080"/>
+            </a:outerShdw>
+          </a:effectLst>
+        </p:spPr>
+      </p:pic>
+      <p:pic>
+        <p:nvPicPr>
+          <p:cNvPr id="50" name="" descr=""/>
+          <p:cNvPicPr/>
+          <p:nvPr/>
+        </p:nvPicPr>
+        <p:blipFill>
+          <a:blip r:embed="rId5"/>
+          <a:stretch/>
+        </p:blipFill>
+        <p:spPr>
+          <a:xfrm>
+            <a:off x="4846680" y="2011680"/>
+            <a:ext cx="912960" cy="912960"/>
+          </a:xfrm>
+          <a:prstGeom prst="rect">
+            <a:avLst/>
+          </a:prstGeom>
+          <a:ln>
+            <a:noFill/>
+          </a:ln>
+        </p:spPr>
+      </p:pic>
+      <p:pic>
+        <p:nvPicPr>
+          <p:cNvPr id="51" name="" descr=""/>
+          <p:cNvPicPr/>
+          <p:nvPr/>
+        </p:nvPicPr>
+        <p:blipFill>
+          <a:blip r:embed="rId6"/>
+          <a:stretch/>
+        </p:blipFill>
+        <p:spPr>
+          <a:xfrm>
+            <a:off x="11521440" y="2011680"/>
+            <a:ext cx="912960" cy="912960"/>
+          </a:xfrm>
+          <a:prstGeom prst="rect">
+            <a:avLst/>
+          </a:prstGeom>
+          <a:ln>
+            <a:noFill/>
+          </a:ln>
+        </p:spPr>
+      </p:pic>
+      <p:sp>
+        <p:nvSpPr>
+          <p:cNvPr id="52" name="CustomShape 9"/>
+          <p:cNvSpPr/>
+          <p:nvPr/>
+        </p:nvSpPr>
+        <p:spPr>
+          <a:xfrm>
+            <a:off x="2011680" y="3110040"/>
+            <a:ext cx="17250480" cy="637920"/>
+          </a:xfrm>
+          <a:prstGeom prst="rect">
+            <a:avLst/>
+          </a:prstGeom>
+          <a:noFill/>
+          <a:ln>
+            <a:noFill/>
+          </a:ln>
+        </p:spPr>
+        <p:style>
+          <a:lnRef idx="0"/>
+          <a:fillRef idx="0"/>
+          <a:effectRef idx="0"/>
+          <a:fontRef idx="minor"/>
+        </p:style>
+        <p:txBody>
+          <a:bodyPr lIns="90000" rIns="90000" tIns="45000" bIns="45000"/>
+          <a:p>
+            <a:pPr algn="ctr">
+              <a:lnSpc>
+                <a:spcPct val="100000"/>
+              </a:lnSpc>
+            </a:pPr>
+            <a:r>
+              <a:rPr b="0" i="1" lang="en-US" sz="3600" spc="-1" strike="noStrike">
+                <a:solidFill>
+                  <a:srgbClr val="000000"/>
+                </a:solidFill>
+                <a:latin typeface="Calibri"/>
+                <a:ea typeface="DejaVu Sans"/>
+              </a:rPr>
+              <a:t>Cloud Service Benchmarking</a:t>
+            </a:r>
+            <a:endParaRPr b="0" lang="en-US" sz="3600" spc="-1" strike="noStrike">
+              <a:latin typeface="Arial"/>
+            </a:endParaRPr>
+          </a:p>
+        </p:txBody>
+      </p:sp>
+      <p:sp>
+        <p:nvSpPr>
+          <p:cNvPr id="53" name="CustomShape 10"/>
+          <p:cNvSpPr/>
+          <p:nvPr/>
+        </p:nvSpPr>
+        <p:spPr>
+          <a:xfrm>
+            <a:off x="846360" y="4297680"/>
+            <a:ext cx="8205840" cy="699120"/>
+          </a:xfrm>
+          <a:prstGeom prst="rect">
+            <a:avLst/>
+          </a:prstGeom>
+          <a:noFill/>
+          <a:ln>
+            <a:noFill/>
+          </a:ln>
+        </p:spPr>
+        <p:style>
+          <a:lnRef idx="0"/>
+          <a:fillRef idx="0"/>
+          <a:effectRef idx="0"/>
+          <a:fontRef idx="minor"/>
+        </p:style>
+        <p:txBody>
+          <a:bodyPr lIns="90000" rIns="90000" tIns="45000" bIns="45000"/>
+          <a:p>
+            <a:pPr>
+              <a:lnSpc>
+                <a:spcPct val="100000"/>
+              </a:lnSpc>
+            </a:pPr>
+            <a:r>
+              <a:rPr b="0" lang="en-US" sz="4000" spc="-1" strike="noStrike" u="sng">
+                <a:solidFill>
+                  <a:srgbClr val="000000"/>
+                </a:solidFill>
+                <a:uFillTx/>
+                <a:latin typeface="Calibri"/>
+                <a:ea typeface="DejaVu Sans"/>
+              </a:rPr>
+              <a:t>Research Question(s):</a:t>
+            </a:r>
+            <a:endParaRPr b="0" lang="en-US" sz="4000" spc="-1" strike="noStrike">
+              <a:latin typeface="Arial"/>
+            </a:endParaRPr>
+          </a:p>
+        </p:txBody>
+      </p:sp>
+      <p:sp>
+        <p:nvSpPr>
+          <p:cNvPr id="54" name="CustomShape 11"/>
+          <p:cNvSpPr/>
+          <p:nvPr/>
+        </p:nvSpPr>
+        <p:spPr>
+          <a:xfrm>
+            <a:off x="822960" y="26243280"/>
+            <a:ext cx="20116800" cy="3383280"/>
+          </a:xfrm>
+          <a:prstGeom prst="rect">
+            <a:avLst/>
+          </a:prstGeom>
+          <a:noFill/>
+          <a:ln>
+            <a:noFill/>
+          </a:ln>
+        </p:spPr>
+        <p:style>
+          <a:lnRef idx="0"/>
+          <a:fillRef idx="0"/>
+          <a:effectRef idx="0"/>
+          <a:fontRef idx="minor"/>
+        </p:style>
+        <p:txBody>
+          <a:bodyPr lIns="90000" rIns="90000" tIns="45000" bIns="45000"/>
+          <a:p>
+            <a:pPr>
+              <a:lnSpc>
+                <a:spcPct val="100000"/>
+              </a:lnSpc>
+            </a:pPr>
+            <a:r>
+              <a:rPr b="0" lang="en-US" sz="2200" spc="-1" strike="noStrike">
+                <a:solidFill>
+                  <a:srgbClr val="1c1c1c"/>
+                </a:solidFill>
+                <a:latin typeface="Calibri"/>
+                <a:ea typeface="DejaVu Sans"/>
+              </a:rPr>
+              <a:t>- On average, both DynamoDB and Google Spanner respond within a reasonable amount of time (i.e. 50ms to 60ms) on small write requests.</a:t>
+            </a:r>
+            <a:endParaRPr b="0" lang="en-US" sz="2200" spc="-1" strike="noStrike">
+              <a:latin typeface="Arial"/>
+            </a:endParaRPr>
+          </a:p>
+          <a:p>
+            <a:pPr>
+              <a:lnSpc>
+                <a:spcPct val="100000"/>
+              </a:lnSpc>
+            </a:pPr>
+            <a:endParaRPr b="0" lang="en-US" sz="2200" spc="-1" strike="noStrike">
+              <a:latin typeface="Arial"/>
+            </a:endParaRPr>
+          </a:p>
+          <a:p>
+            <a:pPr>
+              <a:lnSpc>
+                <a:spcPct val="100000"/>
+              </a:lnSpc>
+            </a:pPr>
+            <a:r>
+              <a:rPr b="0" lang="en-US" sz="2200" spc="-1" strike="noStrike">
+                <a:solidFill>
+                  <a:srgbClr val="1c1c1c"/>
+                </a:solidFill>
+                <a:latin typeface="Calibri"/>
+                <a:ea typeface="DejaVu Sans"/>
+              </a:rPr>
+              <a:t>- However, DynamoDB has an extremely slow performance when forced to deal with larger records which exceed the minimum provisioned capacity. An interesting observation was that the DynamoDB Autoscaler doesn’t kick in to increase the read/write capacity in any predictable pattern</a:t>
+            </a:r>
+            <a:endParaRPr b="0" lang="en-US" sz="2200" spc="-1" strike="noStrike">
+              <a:latin typeface="Arial"/>
+            </a:endParaRPr>
+          </a:p>
+          <a:p>
+            <a:pPr>
+              <a:lnSpc>
+                <a:spcPct val="100000"/>
+              </a:lnSpc>
+            </a:pPr>
+            <a:endParaRPr b="0" lang="en-US" sz="2200" spc="-1" strike="noStrike">
+              <a:latin typeface="Arial"/>
+            </a:endParaRPr>
+          </a:p>
+          <a:p>
+            <a:pPr>
+              <a:lnSpc>
+                <a:spcPct val="100000"/>
+              </a:lnSpc>
+            </a:pPr>
+            <a:r>
+              <a:rPr b="0" lang="en-US" sz="2200" spc="-1" strike="noStrike">
+                <a:solidFill>
+                  <a:srgbClr val="1c1c1c"/>
+                </a:solidFill>
+                <a:latin typeface="Calibri"/>
+                <a:ea typeface="DejaVu Sans"/>
+              </a:rPr>
+              <a:t>- While Google Spanner has a very stable performance regardless of the size of the individual records, DynamoDB delivers unpredictable results when the item size increases. </a:t>
+            </a:r>
+            <a:endParaRPr b="0" lang="en-US" sz="2200" spc="-1" strike="noStrike">
+              <a:latin typeface="Arial"/>
+            </a:endParaRPr>
+          </a:p>
+          <a:p>
+            <a:pPr>
+              <a:lnSpc>
+                <a:spcPct val="100000"/>
+              </a:lnSpc>
+            </a:pPr>
+            <a:endParaRPr b="0" lang="en-US" sz="2200" spc="-1" strike="noStrike">
+              <a:latin typeface="Arial"/>
+            </a:endParaRPr>
+          </a:p>
+          <a:p>
+            <a:pPr>
+              <a:lnSpc>
+                <a:spcPct val="100000"/>
+              </a:lnSpc>
+            </a:pPr>
+            <a:endParaRPr b="0" lang="en-US" sz="2200" spc="-1" strike="noStrike">
+              <a:latin typeface="Arial"/>
+            </a:endParaRPr>
+          </a:p>
+        </p:txBody>
+      </p:sp>
+      <p:sp>
+        <p:nvSpPr>
+          <p:cNvPr id="55" name="CustomShape 12"/>
+          <p:cNvSpPr/>
+          <p:nvPr/>
+        </p:nvSpPr>
+        <p:spPr>
+          <a:xfrm>
+            <a:off x="822960" y="6493680"/>
+            <a:ext cx="6102360" cy="1186920"/>
+          </a:xfrm>
+          <a:prstGeom prst="rect">
+            <a:avLst/>
+          </a:prstGeom>
+          <a:noFill/>
+          <a:ln>
+            <a:noFill/>
+          </a:ln>
+        </p:spPr>
+        <p:style>
+          <a:lnRef idx="0"/>
+          <a:fillRef idx="0"/>
+          <a:effectRef idx="0"/>
+          <a:fontRef idx="minor"/>
+        </p:style>
+      </p:sp>
+      <p:sp>
+        <p:nvSpPr>
+          <p:cNvPr id="56" name="CustomShape 13"/>
+          <p:cNvSpPr/>
+          <p:nvPr/>
+        </p:nvSpPr>
+        <p:spPr>
+          <a:xfrm>
+            <a:off x="11155680" y="4480560"/>
+            <a:ext cx="8960760" cy="2011320"/>
+          </a:xfrm>
+          <a:prstGeom prst="rect">
+            <a:avLst/>
+          </a:prstGeom>
+          <a:noFill/>
+          <a:ln>
+            <a:noFill/>
+          </a:ln>
+        </p:spPr>
+        <p:style>
+          <a:lnRef idx="0"/>
+          <a:fillRef idx="0"/>
+          <a:effectRef idx="0"/>
+          <a:fontRef idx="minor"/>
+        </p:style>
+        <p:txBody>
+          <a:bodyPr lIns="90000" rIns="90000" tIns="45000" bIns="45000"/>
+          <a:p>
             <a:pPr>
               <a:lnSpc>
                 <a:spcPct val="100000"/>
@@ -2404,8 +2375,8 @@
         </p:nvSpPr>
         <p:spPr>
           <a:xfrm>
-            <a:off x="15179040" y="4297680"/>
-            <a:ext cx="2011680" cy="699480"/>
+            <a:off x="822960" y="6493680"/>
+            <a:ext cx="6102360" cy="1186920"/>
           </a:xfrm>
           <a:prstGeom prst="rect">
             <a:avLst/>
@@ -2421,29 +2392,6 @@
           <a:effectRef idx="0"/>
           <a:fontRef idx="minor"/>
         </p:style>
-        <p:txBody>
-          <a:bodyPr lIns="90000" rIns="90000" tIns="45000" bIns="45000"/>
-          <a:p>
-            <a:pPr>
-              <a:lnSpc>
-                <a:spcPct val="100000"/>
-              </a:lnSpc>
-            </a:pPr>
-            <a:r>
-              <a:rPr b="1" lang="en-US" sz="2800" spc="-1" strike="noStrike">
-                <a:solidFill>
-                  <a:srgbClr val="000000"/>
-                </a:solidFill>
-                <a:latin typeface="Calibri"/>
-                <a:ea typeface="DejaVu Sans"/>
-              </a:rPr>
-              <a:t>Authors:</a:t>
-            </a:r>
-            <a:endParaRPr b="1" lang="en-US" sz="2800" spc="-1" strike="noStrike">
-              <a:latin typeface="Arial"/>
-            </a:endParaRPr>
-          </a:p>
-        </p:txBody>
       </p:sp>
       <p:sp>
         <p:nvSpPr>
@@ -2453,8 +2401,8 @@
         </p:nvSpPr>
         <p:spPr>
           <a:xfrm>
-            <a:off x="822960" y="6493680"/>
-            <a:ext cx="6102720" cy="1187280"/>
+            <a:off x="5747400" y="8046720"/>
+            <a:ext cx="9891720" cy="759960"/>
           </a:xfrm>
           <a:prstGeom prst="rect">
             <a:avLst/>
@@ -2470,6 +2418,49 @@
           <a:effectRef idx="0"/>
           <a:fontRef idx="minor"/>
         </p:style>
+        <p:txBody>
+          <a:bodyPr lIns="90000" rIns="90000" tIns="45000" bIns="45000"/>
+          <a:p>
+            <a:pPr algn="ctr">
+              <a:lnSpc>
+                <a:spcPct val="100000"/>
+              </a:lnSpc>
+            </a:pPr>
+            <a:r>
+              <a:rPr b="1" lang="en-US" sz="4000" spc="-1" strike="noStrike">
+                <a:solidFill>
+                  <a:srgbClr val="000000"/>
+                </a:solidFill>
+                <a:latin typeface="Calibri"/>
+                <a:ea typeface="DejaVu Sans"/>
+              </a:rPr>
+              <a:t>*** </a:t>
+            </a:r>
+            <a:r>
+              <a:rPr b="1" lang="en-US" sz="4000" spc="-1" strike="noStrike">
+                <a:solidFill>
+                  <a:srgbClr val="000000"/>
+                </a:solidFill>
+                <a:latin typeface="Calibri"/>
+                <a:ea typeface="DejaVu Sans"/>
+              </a:rPr>
+              <a:t>Experiments </a:t>
+            </a:r>
+            <a:r>
+              <a:rPr b="1" lang="en-US" sz="4000" spc="-1" strike="noStrike">
+                <a:solidFill>
+                  <a:srgbClr val="000000"/>
+                </a:solidFill>
+                <a:latin typeface="Calibri"/>
+                <a:ea typeface="DejaVu Sans"/>
+              </a:rPr>
+              <a:t>***</a:t>
+            </a:r>
+            <a:endParaRPr b="0" lang="en-US" sz="4000" spc="-1" strike="noStrike">
+              <a:latin typeface="Arial"/>
+            </a:endParaRPr>
+          </a:p>
+        </p:txBody>
       </p:sp>
       <p:sp>
         <p:nvSpPr>
@@ -2479,8 +2470,8 @@
         </p:nvSpPr>
         <p:spPr>
           <a:xfrm>
-            <a:off x="11612880" y="4754880"/>
-            <a:ext cx="8961120" cy="2011680"/>
+            <a:off x="1189080" y="16146720"/>
+            <a:ext cx="8137800" cy="769680"/>
           </a:xfrm>
           <a:prstGeom prst="rect">
             <a:avLst/>
@@ -2505,103 +2496,19 @@
               </a:lnSpc>
             </a:pPr>
             <a:r>
-              <a:rPr b="1" lang="en-US" sz="2400" spc="-1" strike="noStrike">
-                <a:solidFill>
-                  <a:srgbClr val="333333"/>
-                </a:solidFill>
-                <a:latin typeface="Calibri"/>
-                <a:ea typeface="DejaVu Sans"/>
-              </a:rPr>
-              <a:t>(Group H)</a:t>
+              <a:rPr b="0" i="1" lang="en-US" sz="2400" spc="-1" strike="noStrike">
+                <a:latin typeface="Arial"/>
+              </a:rPr>
+              <a:t>Write latency (ms) line chart</a:t>
+            </a:r>
+            <a:br/>
+            <a:r>
+              <a:rPr b="0" i="1" lang="en-US" sz="2400" spc="-1" strike="noStrike">
+                <a:latin typeface="Arial"/>
+              </a:rPr>
+              <a:t>(field size 100 bytes)</a:t>
             </a:r>
             <a:endParaRPr b="0" lang="en-US" sz="2400" spc="-1" strike="noStrike">
-              <a:solidFill>
-                <a:srgbClr val="333333"/>
-              </a:solidFill>
-              <a:latin typeface="Arial"/>
-            </a:endParaRPr>
-          </a:p>
-          <a:p>
-            <a:pPr algn="ctr">
-              <a:lnSpc>
-                <a:spcPct val="100000"/>
-              </a:lnSpc>
-            </a:pPr>
-            <a:endParaRPr b="0" lang="en-US" sz="2400" spc="-1" strike="noStrike">
-              <a:solidFill>
-                <a:srgbClr val="333333"/>
-              </a:solidFill>
-              <a:latin typeface="Arial"/>
-            </a:endParaRPr>
-          </a:p>
-          <a:p>
-            <a:pPr algn="ctr">
-              <a:lnSpc>
-                <a:spcPct val="100000"/>
-              </a:lnSpc>
-            </a:pPr>
-            <a:r>
-              <a:rPr b="0" lang="en-US" sz="2400" spc="-1" strike="noStrike">
-                <a:solidFill>
-                  <a:srgbClr val="333333"/>
-                </a:solidFill>
-                <a:latin typeface="Calibri"/>
-                <a:ea typeface="DejaVu Sans"/>
-              </a:rPr>
-              <a:t>- Denis Rangelov</a:t>
-            </a:r>
-            <a:br/>
-            <a:r>
-              <a:rPr b="0" lang="en-US" sz="2400" spc="-1" strike="noStrike">
-                <a:solidFill>
-                  <a:srgbClr val="333333"/>
-                </a:solidFill>
-                <a:latin typeface="Calibri"/>
-                <a:ea typeface="DejaVu Sans"/>
-              </a:rPr>
-              <a:t>Matr. Number: 374115</a:t>
-            </a:r>
-            <a:br/>
-            <a:br/>
-            <a:r>
-              <a:rPr b="0" lang="en-US" sz="2400" spc="-1" strike="noStrike">
-                <a:solidFill>
-                  <a:srgbClr val="333333"/>
-                </a:solidFill>
-                <a:latin typeface="Calibri"/>
-                <a:ea typeface="DejaVu Sans"/>
-              </a:rPr>
-              <a:t>- Martin Dichev</a:t>
-            </a:r>
-            <a:br/>
-            <a:r>
-              <a:rPr b="0" lang="en-US" sz="2400" spc="-1" strike="noStrike">
-                <a:solidFill>
-                  <a:srgbClr val="333333"/>
-                </a:solidFill>
-                <a:latin typeface="Calibri"/>
-                <a:ea typeface="DejaVu Sans"/>
-              </a:rPr>
-              <a:t>Matr. Number: 358768</a:t>
-            </a:r>
-            <a:br/>
-            <a:endParaRPr b="0" lang="en-US" sz="2400" spc="-1" strike="noStrike">
-              <a:solidFill>
-                <a:srgbClr val="333333"/>
-              </a:solidFill>
-              <a:latin typeface="Arial"/>
-            </a:endParaRPr>
-          </a:p>
-          <a:p>
-            <a:pPr algn="ctr">
-              <a:lnSpc>
-                <a:spcPct val="100000"/>
-              </a:lnSpc>
-            </a:pPr>
-            <a:endParaRPr b="0" lang="en-US" sz="2400" spc="-1" strike="noStrike">
-              <a:solidFill>
-                <a:srgbClr val="333333"/>
-              </a:solidFill>
               <a:latin typeface="Arial"/>
             </a:endParaRPr>
           </a:p>
@@ -2615,8 +2522,8 @@
         </p:nvSpPr>
         <p:spPr>
           <a:xfrm>
-            <a:off x="5747400" y="8046720"/>
-            <a:ext cx="9892080" cy="760320"/>
+            <a:off x="11887200" y="16146720"/>
+            <a:ext cx="8137800" cy="769680"/>
           </a:xfrm>
           <a:prstGeom prst="rect">
             <a:avLst/>
@@ -2641,7 +2548,258 @@
               </a:lnSpc>
             </a:pPr>
             <a:r>
-              <a:rPr b="1" lang="en-US" sz="4000" spc="-1" strike="noStrike" u="sng">
+              <a:rPr b="0" i="1" lang="en-US" sz="2400" spc="-1" strike="noStrike">
+                <a:latin typeface="Arial"/>
+              </a:rPr>
+              <a:t>Write latency (ms) box plot</a:t>
+            </a:r>
+            <a:br/>
+            <a:r>
+              <a:rPr b="0" i="1" lang="en-US" sz="2400" spc="-1" strike="noStrike">
+                <a:latin typeface="Arial"/>
+              </a:rPr>
+              <a:t>(field size 100 bytes)</a:t>
+            </a:r>
+            <a:endParaRPr b="0" lang="en-US" sz="2400" spc="-1" strike="noStrike">
+              <a:latin typeface="Arial"/>
+            </a:endParaRPr>
+          </a:p>
+        </p:txBody>
+      </p:sp>
+      <p:pic>
+        <p:nvPicPr>
+          <p:cNvPr id="61" name="" descr=""/>
+          <p:cNvPicPr/>
+          <p:nvPr/>
+        </p:nvPicPr>
+        <p:blipFill>
+          <a:blip r:embed="rId7"/>
+          <a:stretch/>
+        </p:blipFill>
+        <p:spPr>
+          <a:xfrm>
+            <a:off x="365760" y="18379800"/>
+            <a:ext cx="10058400" cy="5577480"/>
+          </a:xfrm>
+          <a:prstGeom prst="rect">
+            <a:avLst/>
+          </a:prstGeom>
+          <a:ln>
+            <a:noFill/>
+          </a:ln>
+          <a:effectLst>
+            <a:outerShdw dist="101823" dir="2700000">
+              <a:srgbClr val="808080"/>
+            </a:outerShdw>
+          </a:effectLst>
+        </p:spPr>
+      </p:pic>
+      <p:pic>
+        <p:nvPicPr>
+          <p:cNvPr id="62" name="" descr=""/>
+          <p:cNvPicPr/>
+          <p:nvPr/>
+        </p:nvPicPr>
+        <p:blipFill>
+          <a:blip r:embed="rId8"/>
+          <a:stretch/>
+        </p:blipFill>
+        <p:spPr>
+          <a:xfrm>
+            <a:off x="10789920" y="18470880"/>
+            <a:ext cx="10149840" cy="5486400"/>
+          </a:xfrm>
+          <a:prstGeom prst="rect">
+            <a:avLst/>
+          </a:prstGeom>
+          <a:ln>
+            <a:noFill/>
+          </a:ln>
+          <a:effectLst>
+            <a:outerShdw dist="101823" dir="2700000">
+              <a:srgbClr val="808080"/>
+            </a:outerShdw>
+          </a:effectLst>
+        </p:spPr>
+      </p:pic>
+      <p:pic>
+        <p:nvPicPr>
+          <p:cNvPr id="63" name="" descr=""/>
+          <p:cNvPicPr/>
+          <p:nvPr/>
+        </p:nvPicPr>
+        <p:blipFill>
+          <a:blip r:embed="rId9"/>
+          <a:stretch/>
+        </p:blipFill>
+        <p:spPr>
+          <a:xfrm>
+            <a:off x="14081760" y="3896640"/>
+            <a:ext cx="6766560" cy="5064480"/>
+          </a:xfrm>
+          <a:prstGeom prst="rect">
+            <a:avLst/>
+          </a:prstGeom>
+          <a:ln>
+            <a:noFill/>
+          </a:ln>
+        </p:spPr>
+      </p:pic>
+      <p:sp>
+        <p:nvSpPr>
+          <p:cNvPr id="64" name="CustomShape 18"/>
+          <p:cNvSpPr/>
+          <p:nvPr/>
+        </p:nvSpPr>
+        <p:spPr>
+          <a:xfrm>
+            <a:off x="6621840" y="8961120"/>
+            <a:ext cx="8143200" cy="1065240"/>
+          </a:xfrm>
+          <a:prstGeom prst="rect">
+            <a:avLst/>
+          </a:prstGeom>
+          <a:noFill/>
+          <a:ln>
+            <a:noFill/>
+          </a:ln>
+        </p:spPr>
+        <p:style>
+          <a:lnRef idx="0"/>
+          <a:fillRef idx="0"/>
+          <a:effectRef idx="0"/>
+          <a:fontRef idx="minor"/>
+        </p:style>
+        <p:txBody>
+          <a:bodyPr lIns="90000" rIns="90000" tIns="45000" bIns="45000"/>
+          <a:p>
+            <a:pPr algn="ctr">
+              <a:lnSpc>
+                <a:spcPct val="100000"/>
+              </a:lnSpc>
+            </a:pPr>
+            <a:r>
+              <a:rPr b="0" i="1" lang="en-US" sz="3200" spc="-1" strike="noStrike" u="sng">
+                <a:solidFill>
+                  <a:srgbClr val="000000"/>
+                </a:solidFill>
+                <a:uFillTx/>
+                <a:latin typeface="Calibri"/>
+              </a:rPr>
+              <a:t>CASE 1:</a:t>
+            </a:r>
+            <a:br/>
+            <a:r>
+              <a:rPr b="0" i="1" lang="en-US" sz="3200" spc="-1" strike="noStrike" u="sng">
+                <a:solidFill>
+                  <a:srgbClr val="000000"/>
+                </a:solidFill>
+                <a:uFillTx/>
+                <a:latin typeface="Calibri"/>
+              </a:rPr>
+              <a:t>(Records with field size 100 bytes):</a:t>
+            </a:r>
+            <a:endParaRPr b="0" i="1" lang="en-US" sz="3200" spc="-1" strike="noStrike">
+              <a:latin typeface="Arial"/>
+            </a:endParaRPr>
+          </a:p>
+        </p:txBody>
+      </p:sp>
+      <p:sp>
+        <p:nvSpPr>
+          <p:cNvPr id="65" name="CustomShape 19"/>
+          <p:cNvSpPr/>
+          <p:nvPr/>
+        </p:nvSpPr>
+        <p:spPr>
+          <a:xfrm>
+            <a:off x="6621840" y="17131320"/>
+            <a:ext cx="8143200" cy="1065240"/>
+          </a:xfrm>
+          <a:prstGeom prst="rect">
+            <a:avLst/>
+          </a:prstGeom>
+          <a:noFill/>
+          <a:ln>
+            <a:noFill/>
+          </a:ln>
+        </p:spPr>
+        <p:style>
+          <a:lnRef idx="0"/>
+          <a:fillRef idx="0"/>
+          <a:effectRef idx="0"/>
+          <a:fontRef idx="minor"/>
+        </p:style>
+        <p:txBody>
+          <a:bodyPr lIns="90000" rIns="90000" tIns="45000" bIns="45000"/>
+          <a:p>
+            <a:pPr algn="ctr">
+              <a:lnSpc>
+                <a:spcPct val="100000"/>
+              </a:lnSpc>
+            </a:pPr>
+            <a:r>
+              <a:rPr b="0" i="1" lang="en-US" sz="3200" spc="-1" strike="noStrike" u="sng">
+                <a:solidFill>
+                  <a:srgbClr val="000000"/>
+                </a:solidFill>
+                <a:uFillTx/>
+                <a:latin typeface="Calibri"/>
+              </a:rPr>
+              <a:t>CASE 2:</a:t>
+            </a:r>
+            <a:br/>
+            <a:r>
+              <a:rPr b="0" i="1" lang="en-US" sz="3200" spc="-1" strike="noStrike" u="sng">
+                <a:solidFill>
+                  <a:srgbClr val="000000"/>
+                </a:solidFill>
+                <a:uFillTx/>
+                <a:latin typeface="Calibri"/>
+              </a:rPr>
+              <a:t>(Records with field size 1000 bytes):</a:t>
+            </a:r>
+            <a:endParaRPr b="0" i="1" lang="en-US" sz="3200" spc="-1" strike="noStrike">
+              <a:latin typeface="Arial"/>
+            </a:endParaRPr>
+          </a:p>
+        </p:txBody>
+      </p:sp>
+      <p:sp>
+        <p:nvSpPr>
+          <p:cNvPr id="66" name="CustomShape 20"/>
+          <p:cNvSpPr/>
+          <p:nvPr/>
+        </p:nvSpPr>
+        <p:spPr>
+          <a:xfrm>
+            <a:off x="9013680" y="25361280"/>
+            <a:ext cx="3359520" cy="699120"/>
+          </a:xfrm>
+          <a:prstGeom prst="rect">
+            <a:avLst/>
+          </a:prstGeom>
+          <a:noFill/>
+          <a:ln>
+            <a:noFill/>
+          </a:ln>
+        </p:spPr>
+        <p:style>
+          <a:lnRef idx="0"/>
+          <a:fillRef idx="0"/>
+          <a:effectRef idx="0"/>
+          <a:fontRef idx="minor"/>
+        </p:style>
+        <p:txBody>
+          <a:bodyPr lIns="90000" rIns="90000" tIns="45000" bIns="45000"/>
+          <a:p>
+            <a:pPr>
+              <a:lnSpc>
+                <a:spcPct val="100000"/>
+              </a:lnSpc>
+            </a:pPr>
+            <a:r>
+              <a:rPr b="0" lang="en-US" sz="4000" spc="-1" strike="noStrike" u="sng">
                 <a:solidFill>
                   <a:srgbClr val="000000"/>
                 </a:solidFill>
@@ -2649,18 +2807,7 @@
                 <a:latin typeface="Calibri"/>
                 <a:ea typeface="DejaVu Sans"/>
               </a:rPr>
-              <a:t>Experime</a:t>
-            </a:r>
-            <a:r>
-              <a:rPr b="1" lang="en-US" sz="4000" spc="-1" strike="noStrike" u="sng">
-                <a:solidFill>
-                  <a:srgbClr val="000000"/>
-                </a:solidFill>
-                <a:uFillTx/>
-                <a:latin typeface="Calibri"/>
-                <a:ea typeface="DejaVu Sans"/>
-              </a:rPr>
-              <a:t>nts:</a:t>
+              <a:t>Conclusion:</a:t>
             </a:r>
             <a:endParaRPr b="0" lang="en-US" sz="4000" spc="-1" strike="noStrike">
               <a:latin typeface="Arial"/>
@@ -2670,50 +2817,14 @@
       </p:sp>
       <p:sp>
         <p:nvSpPr>
-          <p:cNvPr id="61" name="CustomShape 18"/>
+          <p:cNvPr id="67" name="CustomShape 21"/>
           <p:cNvSpPr/>
           <p:nvPr/>
         </p:nvSpPr>
         <p:spPr>
           <a:xfrm>
-            <a:off x="6241680" y="26609760"/>
-            <a:ext cx="10217520" cy="3474000"/>
-          </a:xfrm>
-          <a:prstGeom prst="rect">
-            <a:avLst/>
-          </a:prstGeom>
-          <a:solidFill>
-            <a:srgbClr val="e0efd4"/>
-          </a:solidFill>
-          <a:ln>
-            <a:noFill/>
-          </a:ln>
-        </p:spPr>
-        <p:style>
-          <a:lnRef idx="2">
-            <a:schemeClr val="accent1">
-              <a:shade val="50000"/>
-            </a:schemeClr>
-          </a:lnRef>
-          <a:fillRef idx="1">
-            <a:schemeClr val="accent1"/>
-          </a:fillRef>
-          <a:effectRef idx="0">
-            <a:schemeClr val="accent1"/>
-          </a:effectRef>
-          <a:fontRef idx="minor"/>
-        </p:style>
-      </p:sp>
-      <p:sp>
-        <p:nvSpPr>
-          <p:cNvPr id="62" name="TextShape 19"/>
-          <p:cNvSpPr txBox="1"/>
-          <p:nvPr/>
-        </p:nvSpPr>
-        <p:spPr>
-          <a:xfrm>
-            <a:off x="1280160" y="15270480"/>
-            <a:ext cx="8138160" cy="770040"/>
+            <a:off x="1189080" y="24231600"/>
+            <a:ext cx="8137800" cy="769680"/>
           </a:xfrm>
           <a:prstGeom prst="rect">
             <a:avLst/>
@@ -2723,10 +2834,20 @@
             <a:noFill/>
           </a:ln>
         </p:spPr>
+        <p:style>
+          <a:lnRef idx="0"/>
+          <a:fillRef idx="0"/>
+          <a:effectRef idx="0"/>
+          <a:fontRef idx="minor"/>
+        </p:style>
         <p:txBody>
           <a:bodyPr lIns="90000" rIns="90000" tIns="45000" bIns="45000"/>
           <a:p>
-            <a:pPr algn="ctr"/>
+            <a:pPr algn="ctr">
+              <a:lnSpc>
+                <a:spcPct val="100000"/>
+              </a:lnSpc>
+            </a:pPr>
             <a:r>
               <a:rPr b="0" i="1" lang="en-US" sz="2400" spc="-1" strike="noStrike">
                 <a:latin typeface="Arial"/>
@@ -2738,24 +2859,24 @@
               <a:rPr b="0" i="1" lang="en-US" sz="2400" spc="-1" strike="noStrike">
                 <a:latin typeface="Arial"/>
               </a:rPr>
-              <a:t>(field size 100 bytes)</a:t>
-            </a:r>
-            <a:endParaRPr b="0" i="1" lang="en-US" sz="2400" spc="-1" strike="noStrike">
-              <a:latin typeface="Arial"/>
-            </a:endParaRPr>
-          </a:p>
-        </p:txBody>
-      </p:sp>
-      <p:sp>
-        <p:nvSpPr>
-          <p:cNvPr id="63" name="TextShape 20"/>
-          <p:cNvSpPr txBox="1"/>
+              <a:t>(field size 1000 bytes)</a:t>
+            </a:r>
+            <a:endParaRPr b="0" lang="en-US" sz="2400" spc="-1" strike="noStrike">
+              <a:latin typeface="Arial"/>
+            </a:endParaRPr>
+          </a:p>
+        </p:txBody>
+      </p:sp>
+      <p:sp>
+        <p:nvSpPr>
+          <p:cNvPr id="68" name="CustomShape 22"/>
+          <p:cNvSpPr/>
           <p:nvPr/>
         </p:nvSpPr>
         <p:spPr>
           <a:xfrm>
-            <a:off x="11887200" y="15323400"/>
-            <a:ext cx="8138160" cy="770040"/>
+            <a:off x="11887560" y="24193440"/>
+            <a:ext cx="8137800" cy="769680"/>
           </a:xfrm>
           <a:prstGeom prst="rect">
             <a:avLst/>
@@ -2765,10 +2886,20 @@
             <a:noFill/>
           </a:ln>
         </p:spPr>
+        <p:style>
+          <a:lnRef idx="0"/>
+          <a:fillRef idx="0"/>
+          <a:effectRef idx="0"/>
+          <a:fontRef idx="minor"/>
+        </p:style>
         <p:txBody>
           <a:bodyPr lIns="90000" rIns="90000" tIns="45000" bIns="45000"/>
           <a:p>
-            <a:pPr algn="ctr"/>
+            <a:pPr algn="ctr">
+              <a:lnSpc>
+                <a:spcPct val="100000"/>
+              </a:lnSpc>
+            </a:pPr>
             <a:r>
               <a:rPr b="0" i="1" lang="en-US" sz="2400" spc="-1" strike="noStrike">
                 <a:latin typeface="Arial"/>
@@ -2780,9 +2911,211 @@
               <a:rPr b="0" i="1" lang="en-US" sz="2400" spc="-1" strike="noStrike">
                 <a:latin typeface="Arial"/>
               </a:rPr>
-              <a:t>(field size 100 bytes)</a:t>
-            </a:r>
-            <a:endParaRPr b="0" i="1" lang="en-US" sz="2400" spc="-1" strike="noStrike">
+              <a:t>(field size 1000 bytes)</a:t>
+            </a:r>
+            <a:endParaRPr b="0" lang="en-US" sz="2400" spc="-1" strike="noStrike">
+              <a:latin typeface="Arial"/>
+            </a:endParaRPr>
+          </a:p>
+        </p:txBody>
+      </p:sp>
+      <p:sp>
+        <p:nvSpPr>
+          <p:cNvPr id="69" name="CustomShape 23"/>
+          <p:cNvSpPr/>
+          <p:nvPr/>
+        </p:nvSpPr>
+        <p:spPr>
+          <a:xfrm>
+            <a:off x="914400" y="5112360"/>
+            <a:ext cx="8960760" cy="2011320"/>
+          </a:xfrm>
+          <a:prstGeom prst="rect">
+            <a:avLst/>
+          </a:prstGeom>
+          <a:noFill/>
+          <a:ln>
+            <a:noFill/>
+          </a:ln>
+        </p:spPr>
+        <p:style>
+          <a:lnRef idx="0"/>
+          <a:fillRef idx="0"/>
+          <a:effectRef idx="0"/>
+          <a:fontRef idx="minor"/>
+        </p:style>
+        <p:txBody>
+          <a:bodyPr lIns="90000" rIns="90000" tIns="45000" bIns="45000"/>
+          <a:p>
+            <a:pPr>
+              <a:lnSpc>
+                <a:spcPct val="100000"/>
+              </a:lnSpc>
+            </a:pPr>
+            <a:r>
+              <a:rPr b="0" lang="en-US" sz="2400" spc="-1" strike="noStrike">
+                <a:solidFill>
+                  <a:srgbClr val="1c1c1c"/>
+                </a:solidFill>
+                <a:latin typeface="Calibri"/>
+                <a:ea typeface="DejaVu Sans"/>
+              </a:rPr>
+              <a:t>- What is AWS DynamoDB and Google Spanner’s </a:t>
+            </a:r>
+            <a:r>
+              <a:rPr b="0" lang="en-US" sz="2400" spc="-1" strike="noStrike">
+                <a:solidFill>
+                  <a:srgbClr val="1c1c1c"/>
+                </a:solidFill>
+                <a:latin typeface="Calibri"/>
+                <a:ea typeface="DejaVu Sans"/>
+              </a:rPr>
+              <a:t>write performance in terms of latency when both </a:t>
+            </a:r>
+            <a:r>
+              <a:rPr b="0" lang="en-US" sz="2400" spc="-1" strike="noStrike">
+                <a:solidFill>
+                  <a:srgbClr val="1c1c1c"/>
+                </a:solidFill>
+                <a:latin typeface="Calibri"/>
+                <a:ea typeface="DejaVu Sans"/>
+              </a:rPr>
+              <a:t>stores are introduced with update heavy </a:t>
+            </a:r>
+            <a:r>
+              <a:rPr b="0" lang="en-US" sz="2400" spc="-1" strike="noStrike">
+                <a:solidFill>
+                  <a:srgbClr val="1c1c1c"/>
+                </a:solidFill>
+                <a:latin typeface="Calibri"/>
+                <a:ea typeface="DejaVu Sans"/>
+              </a:rPr>
+              <a:t>workloads? </a:t>
+            </a:r>
+            <a:endParaRPr b="0" lang="en-US" sz="2400" spc="-1" strike="noStrike">
+              <a:latin typeface="Arial"/>
+            </a:endParaRPr>
+          </a:p>
+          <a:p>
+            <a:pPr>
+              <a:lnSpc>
+                <a:spcPct val="100000"/>
+              </a:lnSpc>
+            </a:pPr>
+            <a:endParaRPr b="0" lang="en-US" sz="2400" spc="-1" strike="noStrike">
+              <a:latin typeface="Arial"/>
+            </a:endParaRPr>
+          </a:p>
+          <a:p>
+            <a:pPr>
+              <a:lnSpc>
+                <a:spcPct val="100000"/>
+              </a:lnSpc>
+            </a:pPr>
+            <a:r>
+              <a:rPr b="0" lang="en-US" sz="2400" spc="-1" strike="noStrike">
+                <a:solidFill>
+                  <a:srgbClr val="1c1c1c"/>
+                </a:solidFill>
+                <a:latin typeface="Calibri"/>
+                <a:ea typeface="DejaVu Sans"/>
+              </a:rPr>
+              <a:t>- How does the database record size affect the </a:t>
+            </a:r>
+            <a:r>
+              <a:rPr b="0" lang="en-US" sz="2400" spc="-1" strike="noStrike">
+                <a:solidFill>
+                  <a:srgbClr val="1c1c1c"/>
+                </a:solidFill>
+                <a:latin typeface="Calibri"/>
+                <a:ea typeface="DejaVu Sans"/>
+              </a:rPr>
+              <a:t>write latency of the two stores?  </a:t>
+            </a:r>
+            <a:endParaRPr b="0" lang="en-US" sz="2400" spc="-1" strike="noStrike">
+              <a:latin typeface="Arial"/>
+            </a:endParaRPr>
+          </a:p>
+        </p:txBody>
+      </p:sp>
+      <p:sp>
+        <p:nvSpPr>
+          <p:cNvPr id="70" name="Line 24"/>
+          <p:cNvSpPr/>
+          <p:nvPr/>
+        </p:nvSpPr>
+        <p:spPr>
+          <a:xfrm>
+            <a:off x="1828800" y="29443680"/>
+            <a:ext cx="17722440" cy="360"/>
+          </a:xfrm>
+          <a:prstGeom prst="line">
+            <a:avLst/>
+          </a:prstGeom>
+          <a:ln>
+            <a:round/>
+          </a:ln>
+        </p:spPr>
+        <p:style>
+          <a:lnRef idx="1">
+            <a:schemeClr val="dk1"/>
+          </a:lnRef>
+          <a:fillRef idx="0">
+            <a:schemeClr val="dk1"/>
+          </a:fillRef>
+          <a:effectRef idx="0">
+            <a:schemeClr val="dk1"/>
+          </a:effectRef>
+          <a:fontRef idx="minor"/>
+        </p:style>
+      </p:sp>
+      <p:sp>
+        <p:nvSpPr>
+          <p:cNvPr id="71" name="TextShape 25"/>
+          <p:cNvSpPr txBox="1"/>
+          <p:nvPr/>
+        </p:nvSpPr>
+        <p:spPr>
+          <a:xfrm>
+            <a:off x="4564440" y="29460960"/>
+            <a:ext cx="12258000" cy="1154520"/>
+          </a:xfrm>
+          <a:prstGeom prst="rect">
+            <a:avLst/>
+          </a:prstGeom>
+          <a:noFill/>
+          <a:ln>
+            <a:noFill/>
+          </a:ln>
+        </p:spPr>
+        <p:txBody>
+          <a:bodyPr lIns="90000" rIns="90000" tIns="45000" bIns="45000"/>
+          <a:p>
+            <a:pPr algn="ctr"/>
+            <a:r>
+              <a:rPr b="0" i="1" lang="en-US" sz="3200" spc="-1" strike="noStrike">
+                <a:solidFill>
+                  <a:srgbClr val="333333"/>
+                </a:solidFill>
+                <a:latin typeface="Calibri"/>
+                <a:ea typeface="DejaVu Sans"/>
+              </a:rPr>
+              <a:t>Authors: Denis Rangelov, Martin </a:t>
+            </a:r>
+            <a:r>
+              <a:rPr b="0" i="1" lang="en-US" sz="3200" spc="-1" strike="noStrike">
+                <a:solidFill>
+                  <a:srgbClr val="333333"/>
+                </a:solidFill>
+                <a:latin typeface="Calibri"/>
+                <a:ea typeface="DejaVu Sans"/>
+              </a:rPr>
+              <a:t>Dichev (Group H)</a:t>
+            </a:r>
+            <a:endParaRPr b="0" i="1" lang="en-US" sz="3200" spc="-1" strike="noStrike">
+              <a:solidFill>
+                <a:srgbClr val="333333"/>
+              </a:solidFill>
               <a:latin typeface="Arial"/>
             </a:endParaRPr>
           </a:p>

--- a/poster/Poster_Template_A1.pptx
+++ b/poster/Poster_Template_A1.pptx
@@ -1395,13 +1395,7 @@
               <a:rPr b="0" lang="en-US" sz="4400" spc="-1" strike="noStrike">
                 <a:latin typeface="Arial"/>
               </a:rPr>
-              <a:t>Click to edit the title text </a:t>
-            </a:r>
-            <a:r>
-              <a:rPr b="0" lang="en-US" sz="4400" spc="-1" strike="noStrike">
-                <a:latin typeface="Arial"/>
-              </a:rPr>
-              <a:t>format</a:t>
+              <a:t>Click to edit the title text format</a:t>
             </a:r>
             <a:endParaRPr b="0" lang="en-US" sz="4400" spc="-1" strike="noStrike">
               <a:latin typeface="Arial"/>
@@ -1634,7 +1628,7 @@
         <p:spPr>
           <a:xfrm>
             <a:off x="822960" y="25420320"/>
-            <a:ext cx="20367000" cy="4023360"/>
+            <a:ext cx="20366640" cy="4023000"/>
           </a:xfrm>
           <a:prstGeom prst="rect">
             <a:avLst/>
@@ -1673,7 +1667,7 @@
         <p:spPr>
           <a:xfrm>
             <a:off x="572400" y="4114800"/>
-            <a:ext cx="9942840" cy="3656520"/>
+            <a:ext cx="9942480" cy="3656160"/>
           </a:xfrm>
           <a:prstGeom prst="rect">
             <a:avLst/>
@@ -1712,7 +1706,7 @@
         <p:spPr>
           <a:xfrm>
             <a:off x="1805040" y="2011680"/>
-            <a:ext cx="17853480" cy="912240"/>
+            <a:ext cx="17853120" cy="911880"/>
           </a:xfrm>
           <a:prstGeom prst="rect">
             <a:avLst/>
@@ -1771,7 +1765,7 @@
         <p:spPr>
           <a:xfrm>
             <a:off x="2541960" y="14586480"/>
-            <a:ext cx="8385480" cy="759600"/>
+            <a:ext cx="8385120" cy="759240"/>
           </a:xfrm>
           <a:prstGeom prst="rect">
             <a:avLst/>
@@ -1797,7 +1791,7 @@
         <p:spPr>
           <a:xfrm>
             <a:off x="1760760" y="6676560"/>
-            <a:ext cx="8570880" cy="1094760"/>
+            <a:ext cx="8570520" cy="1094400"/>
           </a:xfrm>
           <a:prstGeom prst="rect">
             <a:avLst/>
@@ -1823,7 +1817,7 @@
         <p:spPr>
           <a:xfrm>
             <a:off x="1996560" y="13413600"/>
-            <a:ext cx="17863200" cy="1094760"/>
+            <a:ext cx="17862840" cy="1094400"/>
           </a:xfrm>
           <a:prstGeom prst="rect">
             <a:avLst/>
@@ -1849,7 +1843,7 @@
         <p:spPr>
           <a:xfrm>
             <a:off x="11989440" y="14635800"/>
-            <a:ext cx="7703280" cy="759600"/>
+            <a:ext cx="7702920" cy="759240"/>
           </a:xfrm>
           <a:prstGeom prst="rect">
             <a:avLst/>
@@ -1875,7 +1869,7 @@
         <p:spPr>
           <a:xfrm>
             <a:off x="594720" y="457200"/>
-            <a:ext cx="6353640" cy="730440"/>
+            <a:ext cx="6353280" cy="730080"/>
           </a:xfrm>
           <a:prstGeom prst="rect">
             <a:avLst/>
@@ -1929,7 +1923,7 @@
         <p:spPr>
           <a:xfrm>
             <a:off x="9052560" y="365760"/>
-            <a:ext cx="3949560" cy="786960"/>
+            <a:ext cx="3949200" cy="786600"/>
           </a:xfrm>
           <a:prstGeom prst="rect">
             <a:avLst/>
@@ -1952,7 +1946,7 @@
         <p:spPr>
           <a:xfrm>
             <a:off x="17922240" y="182880"/>
-            <a:ext cx="2985840" cy="1662120"/>
+            <a:ext cx="2985480" cy="1661760"/>
           </a:xfrm>
           <a:prstGeom prst="rect">
             <a:avLst/>
@@ -1975,7 +1969,7 @@
         <p:spPr>
           <a:xfrm>
             <a:off x="457200" y="10194480"/>
-            <a:ext cx="9988920" cy="5716080"/>
+            <a:ext cx="9988560" cy="5715720"/>
           </a:xfrm>
           <a:prstGeom prst="rect">
             <a:avLst/>
@@ -2003,7 +1997,7 @@
         <p:spPr>
           <a:xfrm>
             <a:off x="10777320" y="10333080"/>
-            <a:ext cx="10070640" cy="5577480"/>
+            <a:ext cx="10070280" cy="5577120"/>
           </a:xfrm>
           <a:prstGeom prst="rect">
             <a:avLst/>
@@ -2031,7 +2025,7 @@
         <p:spPr>
           <a:xfrm>
             <a:off x="4846680" y="2011680"/>
-            <a:ext cx="912960" cy="912960"/>
+            <a:ext cx="912600" cy="912600"/>
           </a:xfrm>
           <a:prstGeom prst="rect">
             <a:avLst/>
@@ -2054,7 +2048,7 @@
         <p:spPr>
           <a:xfrm>
             <a:off x="11521440" y="2011680"/>
-            <a:ext cx="912960" cy="912960"/>
+            <a:ext cx="912600" cy="912600"/>
           </a:xfrm>
           <a:prstGeom prst="rect">
             <a:avLst/>
@@ -2073,7 +2067,7 @@
         <p:spPr>
           <a:xfrm>
             <a:off x="2011680" y="3110040"/>
-            <a:ext cx="17250480" cy="637920"/>
+            <a:ext cx="17250120" cy="637560"/>
           </a:xfrm>
           <a:prstGeom prst="rect">
             <a:avLst/>
@@ -2122,7 +2116,7 @@
         <p:spPr>
           <a:xfrm>
             <a:off x="846360" y="4297680"/>
-            <a:ext cx="8205840" cy="699120"/>
+            <a:ext cx="8205480" cy="698760"/>
           </a:xfrm>
           <a:prstGeom prst="rect">
             <a:avLst/>
@@ -2172,7 +2166,7 @@
         <p:spPr>
           <a:xfrm>
             <a:off x="822960" y="26243280"/>
-            <a:ext cx="20116800" cy="3383280"/>
+            <a:ext cx="20116440" cy="3382920"/>
           </a:xfrm>
           <a:prstGeom prst="rect">
             <a:avLst/>
@@ -2234,7 +2228,7 @@
                 <a:latin typeface="Calibri"/>
                 <a:ea typeface="DejaVu Sans"/>
               </a:rPr>
-              <a:t>- However, DynamoDB has an extremely slow performance when forced to deal with larger records which exceed the minimum provisioned capacity. An interesting observation was that the DynamoDB Autoscaler doesn’t kick in to increase the read/write capacity in any predictable pattern</a:t>
+              <a:t>- However, DynamoDB has an extremely slow performance when forced to deal with larger records which exceed the minimum provisioned read/write capacity. An interesting observation acquired during the benchmarking sessions was that the DynamoDB Autoscaler doesn’t kick in to increase the read/write capacity in any predictable pattern</a:t>
             </a:r>
             <a:endParaRPr b="0" lang="en-US" sz="2200" spc="-1" strike="noStrike">
               <a:latin typeface="Arial"/>
@@ -2264,7 +2258,7 @@
                 <a:latin typeface="Calibri"/>
                 <a:ea typeface="DejaVu Sans"/>
               </a:rPr>
-              <a:t>- While Google Spanner has a very stable performance regardless of the size of the individual records, DynamoDB delivers unpredictable results when the item size increases. </a:t>
+              <a:t>- While Google Spanner has a very stable performance regardless of the size of the individual records, DynamoDB operates with progressively higher latencies and delivers inconsistent results when the item size increases. </a:t>
             </a:r>
             <a:endParaRPr b="0" lang="en-US" sz="2200" spc="-1" strike="noStrike">
               <a:latin typeface="Arial"/>
@@ -2301,7 +2295,7 @@
         <p:spPr>
           <a:xfrm>
             <a:off x="822960" y="6493680"/>
-            <a:ext cx="6102360" cy="1186920"/>
+            <a:ext cx="6102000" cy="1186560"/>
           </a:xfrm>
           <a:prstGeom prst="rect">
             <a:avLst/>
@@ -2327,7 +2321,7 @@
         <p:spPr>
           <a:xfrm>
             <a:off x="11155680" y="4480560"/>
-            <a:ext cx="8960760" cy="2011320"/>
+            <a:ext cx="8960400" cy="2010960"/>
           </a:xfrm>
           <a:prstGeom prst="rect">
             <a:avLst/>
@@ -2376,7 +2370,7 @@
         <p:spPr>
           <a:xfrm>
             <a:off x="822960" y="6493680"/>
-            <a:ext cx="6102360" cy="1186920"/>
+            <a:ext cx="6102000" cy="1186560"/>
           </a:xfrm>
           <a:prstGeom prst="rect">
             <a:avLst/>
@@ -2402,7 +2396,7 @@
         <p:spPr>
           <a:xfrm>
             <a:off x="5747400" y="8046720"/>
-            <a:ext cx="9891720" cy="759960"/>
+            <a:ext cx="9891360" cy="759600"/>
           </a:xfrm>
           <a:prstGeom prst="rect">
             <a:avLst/>
@@ -2434,27 +2428,7 @@
                 <a:latin typeface="Calibri"/>
                 <a:ea typeface="DejaVu Sans"/>
               </a:rPr>
-              <a:t>*** </a:t>
-            </a:r>
-            <a:r>
-              <a:rPr b="1" lang="en-US" sz="4000" spc="-1" strike="noStrike">
-                <a:solidFill>
-                  <a:srgbClr val="000000"/>
-                </a:solidFill>
-                <a:latin typeface="Calibri"/>
-                <a:ea typeface="DejaVu Sans"/>
-              </a:rPr>
-              <a:t>Experiments </a:t>
-            </a:r>
-            <a:r>
-              <a:rPr b="1" lang="en-US" sz="4000" spc="-1" strike="noStrike">
-                <a:solidFill>
-                  <a:srgbClr val="000000"/>
-                </a:solidFill>
-                <a:latin typeface="Calibri"/>
-                <a:ea typeface="DejaVu Sans"/>
-              </a:rPr>
-              <a:t>***</a:t>
+              <a:t>*** Experiments ***</a:t>
             </a:r>
             <a:endParaRPr b="0" lang="en-US" sz="4000" spc="-1" strike="noStrike">
               <a:latin typeface="Arial"/>
@@ -2471,7 +2445,7 @@
         <p:spPr>
           <a:xfrm>
             <a:off x="1189080" y="16146720"/>
-            <a:ext cx="8137800" cy="769680"/>
+            <a:ext cx="8137440" cy="769320"/>
           </a:xfrm>
           <a:prstGeom prst="rect">
             <a:avLst/>
@@ -2497,14 +2471,22 @@
             </a:pPr>
             <a:r>
               <a:rPr b="0" i="1" lang="en-US" sz="2400" spc="-1" strike="noStrike">
+                <a:solidFill>
+                  <a:srgbClr val="000000"/>
+                </a:solidFill>
                 <a:latin typeface="Arial"/>
+                <a:ea typeface="DejaVu Sans"/>
               </a:rPr>
               <a:t>Write latency (ms) line chart</a:t>
             </a:r>
             <a:br/>
             <a:r>
               <a:rPr b="0" i="1" lang="en-US" sz="2400" spc="-1" strike="noStrike">
+                <a:solidFill>
+                  <a:srgbClr val="000000"/>
+                </a:solidFill>
                 <a:latin typeface="Arial"/>
+                <a:ea typeface="DejaVu Sans"/>
               </a:rPr>
               <a:t>(field size 100 bytes)</a:t>
             </a:r>
@@ -2522,8 +2504,8 @@
         </p:nvSpPr>
         <p:spPr>
           <a:xfrm>
-            <a:off x="11887200" y="16146720"/>
-            <a:ext cx="8137800" cy="769680"/>
+            <a:off x="11860200" y="16119720"/>
+            <a:ext cx="8137440" cy="769320"/>
           </a:xfrm>
           <a:prstGeom prst="rect">
             <a:avLst/>
@@ -2549,14 +2531,22 @@
             </a:pPr>
             <a:r>
               <a:rPr b="0" i="1" lang="en-US" sz="2400" spc="-1" strike="noStrike">
+                <a:solidFill>
+                  <a:srgbClr val="000000"/>
+                </a:solidFill>
                 <a:latin typeface="Arial"/>
+                <a:ea typeface="DejaVu Sans"/>
               </a:rPr>
               <a:t>Write latency (ms) box plot</a:t>
             </a:r>
             <a:br/>
             <a:r>
               <a:rPr b="0" i="1" lang="en-US" sz="2400" spc="-1" strike="noStrike">
+                <a:solidFill>
+                  <a:srgbClr val="000000"/>
+                </a:solidFill>
                 <a:latin typeface="Arial"/>
+                <a:ea typeface="DejaVu Sans"/>
               </a:rPr>
               <a:t>(field size 100 bytes)</a:t>
             </a:r>
@@ -2579,7 +2569,7 @@
         <p:spPr>
           <a:xfrm>
             <a:off x="365760" y="18379800"/>
-            <a:ext cx="10058400" cy="5577480"/>
+            <a:ext cx="10058040" cy="5577120"/>
           </a:xfrm>
           <a:prstGeom prst="rect">
             <a:avLst/>
@@ -2588,7 +2578,7 @@
             <a:noFill/>
           </a:ln>
           <a:effectLst>
-            <a:outerShdw dist="101823" dir="2700000">
+            <a:outerShdw dir="2700000" dist="101823">
               <a:srgbClr val="808080"/>
             </a:outerShdw>
           </a:effectLst>
@@ -2607,7 +2597,7 @@
         <p:spPr>
           <a:xfrm>
             <a:off x="10789920" y="18470880"/>
-            <a:ext cx="10149840" cy="5486400"/>
+            <a:ext cx="10149480" cy="5486040"/>
           </a:xfrm>
           <a:prstGeom prst="rect">
             <a:avLst/>
@@ -2616,7 +2606,7 @@
             <a:noFill/>
           </a:ln>
           <a:effectLst>
-            <a:outerShdw dist="101823" dir="2700000">
+            <a:outerShdw dir="2700000" dist="101823">
               <a:srgbClr val="808080"/>
             </a:outerShdw>
           </a:effectLst>
@@ -2635,7 +2625,7 @@
         <p:spPr>
           <a:xfrm>
             <a:off x="14081760" y="3896640"/>
-            <a:ext cx="6766560" cy="5064480"/>
+            <a:ext cx="6766200" cy="5064120"/>
           </a:xfrm>
           <a:prstGeom prst="rect">
             <a:avLst/>
@@ -2654,7 +2644,7 @@
         <p:spPr>
           <a:xfrm>
             <a:off x="6621840" y="8961120"/>
-            <a:ext cx="8143200" cy="1065240"/>
+            <a:ext cx="8142840" cy="1064880"/>
           </a:xfrm>
           <a:prstGeom prst="rect">
             <a:avLst/>
@@ -2685,6 +2675,7 @@
                 </a:solidFill>
                 <a:uFillTx/>
                 <a:latin typeface="Calibri"/>
+                <a:ea typeface="DejaVu Sans"/>
               </a:rPr>
               <a:t>CASE 1:</a:t>
             </a:r>
@@ -2696,10 +2687,11 @@
                 </a:solidFill>
                 <a:uFillTx/>
                 <a:latin typeface="Calibri"/>
+                <a:ea typeface="DejaVu Sans"/>
               </a:rPr>
               <a:t>(Records with field size 100 bytes):</a:t>
             </a:r>
-            <a:endParaRPr b="0" i="1" lang="en-US" sz="3200" spc="-1" strike="noStrike">
+            <a:endParaRPr b="0" lang="en-US" sz="3200" spc="-1" strike="noStrike">
               <a:latin typeface="Arial"/>
             </a:endParaRPr>
           </a:p>
@@ -2714,7 +2706,7 @@
         <p:spPr>
           <a:xfrm>
             <a:off x="6621840" y="17131320"/>
-            <a:ext cx="8143200" cy="1065240"/>
+            <a:ext cx="8142840" cy="1064880"/>
           </a:xfrm>
           <a:prstGeom prst="rect">
             <a:avLst/>
@@ -2745,6 +2737,7 @@
                 </a:solidFill>
                 <a:uFillTx/>
                 <a:latin typeface="Calibri"/>
+                <a:ea typeface="DejaVu Sans"/>
               </a:rPr>
               <a:t>CASE 2:</a:t>
             </a:r>
@@ -2756,10 +2749,11 @@
                 </a:solidFill>
                 <a:uFillTx/>
                 <a:latin typeface="Calibri"/>
+                <a:ea typeface="DejaVu Sans"/>
               </a:rPr>
               <a:t>(Records with field size 1000 bytes):</a:t>
             </a:r>
-            <a:endParaRPr b="0" i="1" lang="en-US" sz="3200" spc="-1" strike="noStrike">
+            <a:endParaRPr b="0" lang="en-US" sz="3200" spc="-1" strike="noStrike">
               <a:latin typeface="Arial"/>
             </a:endParaRPr>
           </a:p>
@@ -2774,7 +2768,7 @@
         <p:spPr>
           <a:xfrm>
             <a:off x="9013680" y="25361280"/>
-            <a:ext cx="3359520" cy="699120"/>
+            <a:ext cx="3359160" cy="698760"/>
           </a:xfrm>
           <a:prstGeom prst="rect">
             <a:avLst/>
@@ -2824,7 +2818,7 @@
         <p:spPr>
           <a:xfrm>
             <a:off x="1189080" y="24231600"/>
-            <a:ext cx="8137800" cy="769680"/>
+            <a:ext cx="8137440" cy="769320"/>
           </a:xfrm>
           <a:prstGeom prst="rect">
             <a:avLst/>
@@ -2850,14 +2844,22 @@
             </a:pPr>
             <a:r>
               <a:rPr b="0" i="1" lang="en-US" sz="2400" spc="-1" strike="noStrike">
+                <a:solidFill>
+                  <a:srgbClr val="000000"/>
+                </a:solidFill>
                 <a:latin typeface="Arial"/>
+                <a:ea typeface="DejaVu Sans"/>
               </a:rPr>
               <a:t>Write latency (ms) line chart</a:t>
             </a:r>
             <a:br/>
             <a:r>
               <a:rPr b="0" i="1" lang="en-US" sz="2400" spc="-1" strike="noStrike">
+                <a:solidFill>
+                  <a:srgbClr val="000000"/>
+                </a:solidFill>
                 <a:latin typeface="Arial"/>
+                <a:ea typeface="DejaVu Sans"/>
               </a:rPr>
               <a:t>(field size 1000 bytes)</a:t>
             </a:r>
@@ -2876,7 +2878,7 @@
         <p:spPr>
           <a:xfrm>
             <a:off x="11887560" y="24193440"/>
-            <a:ext cx="8137800" cy="769680"/>
+            <a:ext cx="8137440" cy="769320"/>
           </a:xfrm>
           <a:prstGeom prst="rect">
             <a:avLst/>
@@ -2902,14 +2904,22 @@
             </a:pPr>
             <a:r>
               <a:rPr b="0" i="1" lang="en-US" sz="2400" spc="-1" strike="noStrike">
+                <a:solidFill>
+                  <a:srgbClr val="000000"/>
+                </a:solidFill>
                 <a:latin typeface="Arial"/>
+                <a:ea typeface="DejaVu Sans"/>
               </a:rPr>
               <a:t>Write latency (ms) box plot</a:t>
             </a:r>
             <a:br/>
             <a:r>
               <a:rPr b="0" i="1" lang="en-US" sz="2400" spc="-1" strike="noStrike">
+                <a:solidFill>
+                  <a:srgbClr val="000000"/>
+                </a:solidFill>
                 <a:latin typeface="Arial"/>
+                <a:ea typeface="DejaVu Sans"/>
               </a:rPr>
               <a:t>(field size 1000 bytes)</a:t>
             </a:r>
@@ -2928,7 +2938,7 @@
         <p:spPr>
           <a:xfrm>
             <a:off x="914400" y="5112360"/>
-            <a:ext cx="8960760" cy="2011320"/>
+            <a:ext cx="8960400" cy="2010960"/>
           </a:xfrm>
           <a:prstGeom prst="rect">
             <a:avLst/>
@@ -2960,37 +2970,7 @@
                 <a:latin typeface="Calibri"/>
                 <a:ea typeface="DejaVu Sans"/>
               </a:rPr>
-              <a:t>- What is AWS DynamoDB and Google Spanner’s </a:t>
-            </a:r>
-            <a:r>
-              <a:rPr b="0" lang="en-US" sz="2400" spc="-1" strike="noStrike">
-                <a:solidFill>
-                  <a:srgbClr val="1c1c1c"/>
-                </a:solidFill>
-                <a:latin typeface="Calibri"/>
-                <a:ea typeface="DejaVu Sans"/>
-              </a:rPr>
-              <a:t>write performance in terms of latency when both </a:t>
-            </a:r>
-            <a:r>
-              <a:rPr b="0" lang="en-US" sz="2400" spc="-1" strike="noStrike">
-                <a:solidFill>
-                  <a:srgbClr val="1c1c1c"/>
-                </a:solidFill>
-                <a:latin typeface="Calibri"/>
-                <a:ea typeface="DejaVu Sans"/>
-              </a:rPr>
-              <a:t>stores are introduced with update heavy </a:t>
-            </a:r>
-            <a:r>
-              <a:rPr b="0" lang="en-US" sz="2400" spc="-1" strike="noStrike">
-                <a:solidFill>
-                  <a:srgbClr val="1c1c1c"/>
-                </a:solidFill>
-                <a:latin typeface="Calibri"/>
-                <a:ea typeface="DejaVu Sans"/>
-              </a:rPr>
-              <a:t>workloads? </a:t>
+              <a:t>- What is AWS DynamoDB and Google Spanner’s write performance in terms of latency when both stores are introduced with update heavy workloads? </a:t>
             </a:r>
             <a:endParaRPr b="0" lang="en-US" sz="2400" spc="-1" strike="noStrike">
               <a:latin typeface="Arial"/>
@@ -3020,17 +3000,7 @@
                 <a:latin typeface="Calibri"/>
                 <a:ea typeface="DejaVu Sans"/>
               </a:rPr>
-              <a:t>- How does the database record size affect the </a:t>
-            </a:r>
-            <a:r>
-              <a:rPr b="0" lang="en-US" sz="2400" spc="-1" strike="noStrike">
-                <a:solidFill>
-                  <a:srgbClr val="1c1c1c"/>
-                </a:solidFill>
-                <a:latin typeface="Calibri"/>
-                <a:ea typeface="DejaVu Sans"/>
-              </a:rPr>
-              <a:t>write latency of the two stores?  </a:t>
+              <a:t>- How does the database record size affect the write latency of the two stores?  </a:t>
             </a:r>
             <a:endParaRPr b="0" lang="en-US" sz="2400" spc="-1" strike="noStrike">
               <a:latin typeface="Arial"/>
@@ -3071,14 +3041,14 @@
       </p:sp>
       <p:sp>
         <p:nvSpPr>
-          <p:cNvPr id="71" name="TextShape 25"/>
-          <p:cNvSpPr txBox="1"/>
+          <p:cNvPr id="71" name="CustomShape 25"/>
+          <p:cNvSpPr/>
           <p:nvPr/>
         </p:nvSpPr>
         <p:spPr>
           <a:xfrm>
             <a:off x="4564440" y="29460960"/>
-            <a:ext cx="12258000" cy="1154520"/>
+            <a:ext cx="12257640" cy="1154160"/>
           </a:xfrm>
           <a:prstGeom prst="rect">
             <a:avLst/>
@@ -3088,10 +3058,20 @@
             <a:noFill/>
           </a:ln>
         </p:spPr>
+        <p:style>
+          <a:lnRef idx="0"/>
+          <a:fillRef idx="0"/>
+          <a:effectRef idx="0"/>
+          <a:fontRef idx="minor"/>
+        </p:style>
         <p:txBody>
           <a:bodyPr lIns="90000" rIns="90000" tIns="45000" bIns="45000"/>
           <a:p>
-            <a:pPr algn="ctr"/>
+            <a:pPr algn="ctr">
+              <a:lnSpc>
+                <a:spcPct val="100000"/>
+              </a:lnSpc>
+            </a:pPr>
             <a:r>
               <a:rPr b="0" i="1" lang="en-US" sz="3200" spc="-1" strike="noStrike">
                 <a:solidFill>
@@ -3100,22 +3080,9 @@
                 <a:latin typeface="Calibri"/>
                 <a:ea typeface="DejaVu Sans"/>
               </a:rPr>
-              <a:t>Authors: Denis Rangelov, Martin </a:t>
+              <a:t>Authors: Denis Rangelov, Martin Dichev (Group H)</a:t>
             </a:r>
-            <a:r>
-              <a:rPr b="0" i="1" lang="en-US" sz="3200" spc="-1" strike="noStrike">
-                <a:solidFill>
-                  <a:srgbClr val="333333"/>
-                </a:solidFill>
-                <a:latin typeface="Calibri"/>
-                <a:ea typeface="DejaVu Sans"/>
-              </a:rPr>
-              <a:t>Dichev (Group H)</a:t>
-            </a:r>
-            <a:endParaRPr b="0" i="1" lang="en-US" sz="3200" spc="-1" strike="noStrike">
-              <a:solidFill>
-                <a:srgbClr val="333333"/>
-              </a:solidFill>
+            <a:endParaRPr b="0" lang="en-US" sz="3200" spc="-1" strike="noStrike">
               <a:latin typeface="Arial"/>
             </a:endParaRPr>
           </a:p>
